--- a/Lab-Slides/Arthropod_devlopment_senses_taxonomy_2014.pptx
+++ b/Lab-Slides/Arthropod_devlopment_senses_taxonomy_2014.pptx
@@ -5,30 +5,29 @@
     <p:sldMasterId id="2147483648" r:id="rId1"/>
   </p:sldMasterIdLst>
   <p:notesMasterIdLst>
-    <p:notesMasterId r:id="rId20"/>
+    <p:notesMasterId r:id="rId19"/>
   </p:notesMasterIdLst>
   <p:handoutMasterIdLst>
-    <p:handoutMasterId r:id="rId21"/>
+    <p:handoutMasterId r:id="rId20"/>
   </p:handoutMasterIdLst>
   <p:sldIdLst>
-    <p:sldId id="287" r:id="rId2"/>
-    <p:sldId id="256" r:id="rId3"/>
-    <p:sldId id="278" r:id="rId4"/>
-    <p:sldId id="279" r:id="rId5"/>
-    <p:sldId id="280" r:id="rId6"/>
-    <p:sldId id="281" r:id="rId7"/>
-    <p:sldId id="282" r:id="rId8"/>
-    <p:sldId id="283" r:id="rId9"/>
-    <p:sldId id="284" r:id="rId10"/>
-    <p:sldId id="261" r:id="rId11"/>
-    <p:sldId id="259" r:id="rId12"/>
-    <p:sldId id="260" r:id="rId13"/>
-    <p:sldId id="263" r:id="rId14"/>
-    <p:sldId id="264" r:id="rId15"/>
-    <p:sldId id="262" r:id="rId16"/>
-    <p:sldId id="286" r:id="rId17"/>
-    <p:sldId id="265" r:id="rId18"/>
-    <p:sldId id="285" r:id="rId19"/>
+    <p:sldId id="256" r:id="rId2"/>
+    <p:sldId id="278" r:id="rId3"/>
+    <p:sldId id="279" r:id="rId4"/>
+    <p:sldId id="280" r:id="rId5"/>
+    <p:sldId id="281" r:id="rId6"/>
+    <p:sldId id="282" r:id="rId7"/>
+    <p:sldId id="283" r:id="rId8"/>
+    <p:sldId id="284" r:id="rId9"/>
+    <p:sldId id="261" r:id="rId10"/>
+    <p:sldId id="259" r:id="rId11"/>
+    <p:sldId id="260" r:id="rId12"/>
+    <p:sldId id="263" r:id="rId13"/>
+    <p:sldId id="264" r:id="rId14"/>
+    <p:sldId id="262" r:id="rId15"/>
+    <p:sldId id="286" r:id="rId16"/>
+    <p:sldId id="265" r:id="rId17"/>
+    <p:sldId id="285" r:id="rId18"/>
   </p:sldIdLst>
   <p:sldSz cx="9144000" cy="6858000" type="screen4x3"/>
   <p:notesSz cx="6858000" cy="9144000"/>
@@ -157,6 +156,22 @@
       </a:defRPr>
     </a:lvl9pPr>
   </p:defaultTextStyle>
+  <p:extLst>
+    <p:ext uri="{EFAFB233-063F-42B5-8137-9DF3F51BA10A}">
+      <p15:sldGuideLst xmlns:p15="http://schemas.microsoft.com/office/powerpoint/2012/main">
+        <p15:guide id="1" orient="horz" pos="2160">
+          <p15:clr>
+            <a:srgbClr val="A4A3A4"/>
+          </p15:clr>
+        </p15:guide>
+        <p15:guide id="2" pos="2880">
+          <p15:clr>
+            <a:srgbClr val="A4A3A4"/>
+          </p15:clr>
+        </p15:guide>
+      </p15:sldGuideLst>
+    </p:ext>
+  </p:extLst>
 </p:presentation>
 </file>
 
@@ -262,7 +277,7 @@
               <a:pPr>
                 <a:defRPr/>
               </a:pPr>
-              <a:t>5/13/14</a:t>
+              <a:t>5/13/2015</a:t>
             </a:fld>
             <a:endParaRPr lang="en-US"/>
           </a:p>
@@ -517,14 +532,14 @@
           </a:ln>
           <a:extLst>
             <a:ext uri="{909E8E84-426E-40dd-AFC4-6F175D3DCCD1}">
-              <a14:hiddenFill xmlns:a14="http://schemas.microsoft.com/office/drawing/2010/main">
+              <a14:hiddenFill xmlns:a14="http://schemas.microsoft.com/office/drawing/2010/main" xmlns="">
                 <a:solidFill>
                   <a:srgbClr val="FFFFFF"/>
                 </a:solidFill>
               </a14:hiddenFill>
             </a:ext>
             <a:ext uri="{FAA26D3D-D897-4be2-8F04-BA451C77F1D7}">
-              <ma14:placeholderFlag xmlns:ma14="http://schemas.microsoft.com/office/mac/drawingml/2011/main" val="1"/>
+              <ma14:placeholderFlag xmlns:ma14="http://schemas.microsoft.com/office/mac/drawingml/2011/main" xmlns="" val="1"/>
             </a:ext>
           </a:extLst>
         </p:spPr>
@@ -867,14 +882,14 @@
           <a:ln/>
           <a:extLst>
             <a:ext uri="{909E8E84-426E-40dd-AFC4-6F175D3DCCD1}">
-              <a14:hiddenFill xmlns:a14="http://schemas.microsoft.com/office/drawing/2010/main">
+              <a14:hiddenFill xmlns:a14="http://schemas.microsoft.com/office/drawing/2010/main" xmlns="">
                 <a:solidFill>
                   <a:srgbClr val="FFFFFF"/>
                 </a:solidFill>
               </a14:hiddenFill>
             </a:ext>
             <a:ext uri="{91240B29-F687-4f45-9708-019B960494DF}">
-              <a14:hiddenLine xmlns:a14="http://schemas.microsoft.com/office/drawing/2010/main" w="9525">
+              <a14:hiddenLine xmlns:a14="http://schemas.microsoft.com/office/drawing/2010/main" xmlns="" w="9525">
                 <a:solidFill>
                   <a:srgbClr val="000000"/>
                 </a:solidFill>
@@ -1000,7 +1015,7 @@
             <a:fld id="{3CEE4B44-A2AB-7B4C-944A-80EB39C47AFF}" type="slidenum">
               <a:rPr lang="en-US" sz="1200"/>
               <a:pPr eaLnBrk="1" hangingPunct="1"/>
-              <a:t>2</a:t>
+              <a:t>1</a:t>
             </a:fld>
             <a:endParaRPr lang="en-US" sz="1200"/>
           </a:p>
@@ -1035,14 +1050,14 @@
           <a:ln/>
           <a:extLst>
             <a:ext uri="{909E8E84-426E-40dd-AFC4-6F175D3DCCD1}">
-              <a14:hiddenFill xmlns:a14="http://schemas.microsoft.com/office/drawing/2010/main">
+              <a14:hiddenFill xmlns:a14="http://schemas.microsoft.com/office/drawing/2010/main" xmlns="">
                 <a:solidFill>
                   <a:srgbClr val="FFFFFF"/>
                 </a:solidFill>
               </a14:hiddenFill>
             </a:ext>
             <a:ext uri="{91240B29-F687-4f45-9708-019B960494DF}">
-              <a14:hiddenLine xmlns:a14="http://schemas.microsoft.com/office/drawing/2010/main" w="9525">
+              <a14:hiddenLine xmlns:a14="http://schemas.microsoft.com/office/drawing/2010/main" xmlns="" w="9525">
                 <a:solidFill>
                   <a:srgbClr val="000000"/>
                 </a:solidFill>
@@ -1052,7 +1067,7 @@
               </a14:hiddenLine>
             </a:ext>
             <a:ext uri="{FAA26D3D-D897-4be2-8F04-BA451C77F1D7}">
-              <ma14:placeholderFlag xmlns:ma14="http://schemas.microsoft.com/office/mac/drawingml/2011/main" val="1"/>
+              <ma14:placeholderFlag xmlns:ma14="http://schemas.microsoft.com/office/mac/drawingml/2011/main" xmlns="" val="1"/>
             </a:ext>
           </a:extLst>
         </p:spPr>
@@ -1069,6 +1084,11 @@
         </p:txBody>
       </p:sp>
     </p:spTree>
+    <p:extLst>
+      <p:ext uri="{BB962C8B-B14F-4D97-AF65-F5344CB8AC3E}">
+        <p14:creationId xmlns:p14="http://schemas.microsoft.com/office/powerpoint/2010/main" val="3412673337"/>
+      </p:ext>
+    </p:extLst>
   </p:cSld>
   <p:clrMapOvr>
     <a:masterClrMapping/>
@@ -1108,14 +1128,14 @@
           <a:ln/>
           <a:extLst>
             <a:ext uri="{909E8E84-426E-40dd-AFC4-6F175D3DCCD1}">
-              <a14:hiddenFill xmlns:a14="http://schemas.microsoft.com/office/drawing/2010/main">
+              <a14:hiddenFill xmlns:a14="http://schemas.microsoft.com/office/drawing/2010/main" xmlns="">
                 <a:solidFill>
                   <a:srgbClr val="FFFFFF"/>
                 </a:solidFill>
               </a14:hiddenFill>
             </a:ext>
             <a:ext uri="{91240B29-F687-4f45-9708-019B960494DF}">
-              <a14:hiddenLine xmlns:a14="http://schemas.microsoft.com/office/drawing/2010/main" w="9525">
+              <a14:hiddenLine xmlns:a14="http://schemas.microsoft.com/office/drawing/2010/main" xmlns="" w="9525">
                 <a:solidFill>
                   <a:srgbClr val="000000"/>
                 </a:solidFill>
@@ -1241,7 +1261,7 @@
             <a:fld id="{DF715E32-98B9-C14C-AD07-B35805CB9EBD}" type="slidenum">
               <a:rPr lang="en-US" sz="1200"/>
               <a:pPr eaLnBrk="1" hangingPunct="1"/>
-              <a:t>11</a:t>
+              <a:t>10</a:t>
             </a:fld>
             <a:endParaRPr lang="en-US" sz="1200"/>
           </a:p>
@@ -1276,14 +1296,14 @@
           <a:ln/>
           <a:extLst>
             <a:ext uri="{909E8E84-426E-40dd-AFC4-6F175D3DCCD1}">
-              <a14:hiddenFill xmlns:a14="http://schemas.microsoft.com/office/drawing/2010/main">
+              <a14:hiddenFill xmlns:a14="http://schemas.microsoft.com/office/drawing/2010/main" xmlns="">
                 <a:solidFill>
                   <a:srgbClr val="FFFFFF"/>
                 </a:solidFill>
               </a14:hiddenFill>
             </a:ext>
             <a:ext uri="{91240B29-F687-4f45-9708-019B960494DF}">
-              <a14:hiddenLine xmlns:a14="http://schemas.microsoft.com/office/drawing/2010/main" w="9525">
+              <a14:hiddenLine xmlns:a14="http://schemas.microsoft.com/office/drawing/2010/main" xmlns="" w="9525">
                 <a:solidFill>
                   <a:srgbClr val="000000"/>
                 </a:solidFill>
@@ -1293,7 +1313,7 @@
               </a14:hiddenLine>
             </a:ext>
             <a:ext uri="{FAA26D3D-D897-4be2-8F04-BA451C77F1D7}">
-              <ma14:placeholderFlag xmlns:ma14="http://schemas.microsoft.com/office/mac/drawingml/2011/main" val="1"/>
+              <ma14:placeholderFlag xmlns:ma14="http://schemas.microsoft.com/office/mac/drawingml/2011/main" xmlns="" val="1"/>
             </a:ext>
           </a:extLst>
         </p:spPr>
@@ -1310,6 +1330,11 @@
         </p:txBody>
       </p:sp>
     </p:spTree>
+    <p:extLst>
+      <p:ext uri="{BB962C8B-B14F-4D97-AF65-F5344CB8AC3E}">
+        <p14:creationId xmlns:p14="http://schemas.microsoft.com/office/powerpoint/2010/main" val="1804094545"/>
+      </p:ext>
+    </p:extLst>
   </p:cSld>
   <p:clrMapOvr>
     <a:masterClrMapping/>
@@ -1349,14 +1374,14 @@
           <a:ln/>
           <a:extLst>
             <a:ext uri="{909E8E84-426E-40dd-AFC4-6F175D3DCCD1}">
-              <a14:hiddenFill xmlns:a14="http://schemas.microsoft.com/office/drawing/2010/main">
+              <a14:hiddenFill xmlns:a14="http://schemas.microsoft.com/office/drawing/2010/main" xmlns="">
                 <a:solidFill>
                   <a:srgbClr val="FFFFFF"/>
                 </a:solidFill>
               </a14:hiddenFill>
             </a:ext>
             <a:ext uri="{91240B29-F687-4f45-9708-019B960494DF}">
-              <a14:hiddenLine xmlns:a14="http://schemas.microsoft.com/office/drawing/2010/main" w="9525">
+              <a14:hiddenLine xmlns:a14="http://schemas.microsoft.com/office/drawing/2010/main" xmlns="" w="9525">
                 <a:solidFill>
                   <a:srgbClr val="000000"/>
                 </a:solidFill>
@@ -1482,7 +1507,7 @@
             <a:fld id="{0DB22BC7-78BA-7547-AAD0-2D6A68BC4731}" type="slidenum">
               <a:rPr lang="en-US" sz="1200"/>
               <a:pPr eaLnBrk="1" hangingPunct="1"/>
-              <a:t>12</a:t>
+              <a:t>11</a:t>
             </a:fld>
             <a:endParaRPr lang="en-US" sz="1200"/>
           </a:p>
@@ -1517,14 +1542,14 @@
           <a:ln/>
           <a:extLst>
             <a:ext uri="{909E8E84-426E-40dd-AFC4-6F175D3DCCD1}">
-              <a14:hiddenFill xmlns:a14="http://schemas.microsoft.com/office/drawing/2010/main">
+              <a14:hiddenFill xmlns:a14="http://schemas.microsoft.com/office/drawing/2010/main" xmlns="">
                 <a:solidFill>
                   <a:srgbClr val="FFFFFF"/>
                 </a:solidFill>
               </a14:hiddenFill>
             </a:ext>
             <a:ext uri="{91240B29-F687-4f45-9708-019B960494DF}">
-              <a14:hiddenLine xmlns:a14="http://schemas.microsoft.com/office/drawing/2010/main" w="9525">
+              <a14:hiddenLine xmlns:a14="http://schemas.microsoft.com/office/drawing/2010/main" xmlns="" w="9525">
                 <a:solidFill>
                   <a:srgbClr val="000000"/>
                 </a:solidFill>
@@ -1551,6 +1576,11 @@
         </p:txBody>
       </p:sp>
     </p:spTree>
+    <p:extLst>
+      <p:ext uri="{BB962C8B-B14F-4D97-AF65-F5344CB8AC3E}">
+        <p14:creationId xmlns:p14="http://schemas.microsoft.com/office/powerpoint/2010/main" val="966149527"/>
+      </p:ext>
+    </p:extLst>
   </p:cSld>
   <p:clrMapOvr>
     <a:masterClrMapping/>
@@ -1590,14 +1620,14 @@
           <a:ln/>
           <a:extLst>
             <a:ext uri="{909E8E84-426E-40dd-AFC4-6F175D3DCCD1}">
-              <a14:hiddenFill xmlns:a14="http://schemas.microsoft.com/office/drawing/2010/main">
+              <a14:hiddenFill xmlns:a14="http://schemas.microsoft.com/office/drawing/2010/main" xmlns="">
                 <a:solidFill>
                   <a:srgbClr val="FFFFFF"/>
                 </a:solidFill>
               </a14:hiddenFill>
             </a:ext>
             <a:ext uri="{91240B29-F687-4f45-9708-019B960494DF}">
-              <a14:hiddenLine xmlns:a14="http://schemas.microsoft.com/office/drawing/2010/main" w="9525">
+              <a14:hiddenLine xmlns:a14="http://schemas.microsoft.com/office/drawing/2010/main" xmlns="" w="9525">
                 <a:solidFill>
                   <a:srgbClr val="000000"/>
                 </a:solidFill>
@@ -1723,7 +1753,7 @@
             <a:fld id="{C3C026B4-D1E8-AA44-9BA4-C67368E8F438}" type="slidenum">
               <a:rPr lang="en-US" sz="1200"/>
               <a:pPr eaLnBrk="1" hangingPunct="1"/>
-              <a:t>13</a:t>
+              <a:t>12</a:t>
             </a:fld>
             <a:endParaRPr lang="en-US" sz="1200"/>
           </a:p>
@@ -1758,14 +1788,14 @@
           <a:ln/>
           <a:extLst>
             <a:ext uri="{909E8E84-426E-40dd-AFC4-6F175D3DCCD1}">
-              <a14:hiddenFill xmlns:a14="http://schemas.microsoft.com/office/drawing/2010/main">
+              <a14:hiddenFill xmlns:a14="http://schemas.microsoft.com/office/drawing/2010/main" xmlns="">
                 <a:solidFill>
                   <a:srgbClr val="FFFFFF"/>
                 </a:solidFill>
               </a14:hiddenFill>
             </a:ext>
             <a:ext uri="{91240B29-F687-4f45-9708-019B960494DF}">
-              <a14:hiddenLine xmlns:a14="http://schemas.microsoft.com/office/drawing/2010/main" w="9525">
+              <a14:hiddenLine xmlns:a14="http://schemas.microsoft.com/office/drawing/2010/main" xmlns="" w="9525">
                 <a:solidFill>
                   <a:srgbClr val="000000"/>
                 </a:solidFill>
@@ -1775,7 +1805,7 @@
               </a14:hiddenLine>
             </a:ext>
             <a:ext uri="{FAA26D3D-D897-4be2-8F04-BA451C77F1D7}">
-              <ma14:placeholderFlag xmlns:ma14="http://schemas.microsoft.com/office/mac/drawingml/2011/main" val="1"/>
+              <ma14:placeholderFlag xmlns:ma14="http://schemas.microsoft.com/office/mac/drawingml/2011/main" xmlns="" val="1"/>
             </a:ext>
           </a:extLst>
         </p:spPr>
@@ -1792,6 +1822,11 @@
         </p:txBody>
       </p:sp>
     </p:spTree>
+    <p:extLst>
+      <p:ext uri="{BB962C8B-B14F-4D97-AF65-F5344CB8AC3E}">
+        <p14:creationId xmlns:p14="http://schemas.microsoft.com/office/powerpoint/2010/main" val="3164983246"/>
+      </p:ext>
+    </p:extLst>
   </p:cSld>
   <p:clrMapOvr>
     <a:masterClrMapping/>
@@ -1831,14 +1866,14 @@
           <a:ln/>
           <a:extLst>
             <a:ext uri="{909E8E84-426E-40dd-AFC4-6F175D3DCCD1}">
-              <a14:hiddenFill xmlns:a14="http://schemas.microsoft.com/office/drawing/2010/main">
+              <a14:hiddenFill xmlns:a14="http://schemas.microsoft.com/office/drawing/2010/main" xmlns="">
                 <a:solidFill>
                   <a:srgbClr val="FFFFFF"/>
                 </a:solidFill>
               </a14:hiddenFill>
             </a:ext>
             <a:ext uri="{91240B29-F687-4f45-9708-019B960494DF}">
-              <a14:hiddenLine xmlns:a14="http://schemas.microsoft.com/office/drawing/2010/main" w="9525">
+              <a14:hiddenLine xmlns:a14="http://schemas.microsoft.com/office/drawing/2010/main" xmlns="" w="9525">
                 <a:solidFill>
                   <a:srgbClr val="000000"/>
                 </a:solidFill>
@@ -1964,7 +1999,7 @@
             <a:fld id="{E7F78512-76CC-0A44-A3E7-6FF6607E4708}" type="slidenum">
               <a:rPr lang="en-US" sz="1200"/>
               <a:pPr eaLnBrk="1" hangingPunct="1"/>
-              <a:t>14</a:t>
+              <a:t>13</a:t>
             </a:fld>
             <a:endParaRPr lang="en-US" sz="1200"/>
           </a:p>
@@ -1999,14 +2034,14 @@
           <a:ln/>
           <a:extLst>
             <a:ext uri="{909E8E84-426E-40dd-AFC4-6F175D3DCCD1}">
-              <a14:hiddenFill xmlns:a14="http://schemas.microsoft.com/office/drawing/2010/main">
+              <a14:hiddenFill xmlns:a14="http://schemas.microsoft.com/office/drawing/2010/main" xmlns="">
                 <a:solidFill>
                   <a:srgbClr val="FFFFFF"/>
                 </a:solidFill>
               </a14:hiddenFill>
             </a:ext>
             <a:ext uri="{91240B29-F687-4f45-9708-019B960494DF}">
-              <a14:hiddenLine xmlns:a14="http://schemas.microsoft.com/office/drawing/2010/main" w="9525">
+              <a14:hiddenLine xmlns:a14="http://schemas.microsoft.com/office/drawing/2010/main" xmlns="" w="9525">
                 <a:solidFill>
                   <a:srgbClr val="000000"/>
                 </a:solidFill>
@@ -2016,7 +2051,7 @@
               </a14:hiddenLine>
             </a:ext>
             <a:ext uri="{FAA26D3D-D897-4be2-8F04-BA451C77F1D7}">
-              <ma14:placeholderFlag xmlns:ma14="http://schemas.microsoft.com/office/mac/drawingml/2011/main" val="1"/>
+              <ma14:placeholderFlag xmlns:ma14="http://schemas.microsoft.com/office/mac/drawingml/2011/main" xmlns="" val="1"/>
             </a:ext>
           </a:extLst>
         </p:spPr>
@@ -2033,6 +2068,11 @@
         </p:txBody>
       </p:sp>
     </p:spTree>
+    <p:extLst>
+      <p:ext uri="{BB962C8B-B14F-4D97-AF65-F5344CB8AC3E}">
+        <p14:creationId xmlns:p14="http://schemas.microsoft.com/office/powerpoint/2010/main" val="2577333262"/>
+      </p:ext>
+    </p:extLst>
   </p:cSld>
   <p:clrMapOvr>
     <a:masterClrMapping/>
@@ -2072,14 +2112,14 @@
           <a:ln/>
           <a:extLst>
             <a:ext uri="{909E8E84-426E-40dd-AFC4-6F175D3DCCD1}">
-              <a14:hiddenFill xmlns:a14="http://schemas.microsoft.com/office/drawing/2010/main">
+              <a14:hiddenFill xmlns:a14="http://schemas.microsoft.com/office/drawing/2010/main" xmlns="">
                 <a:solidFill>
                   <a:srgbClr val="FFFFFF"/>
                 </a:solidFill>
               </a14:hiddenFill>
             </a:ext>
             <a:ext uri="{91240B29-F687-4f45-9708-019B960494DF}">
-              <a14:hiddenLine xmlns:a14="http://schemas.microsoft.com/office/drawing/2010/main" w="9525">
+              <a14:hiddenLine xmlns:a14="http://schemas.microsoft.com/office/drawing/2010/main" xmlns="" w="9525">
                 <a:solidFill>
                   <a:srgbClr val="000000"/>
                 </a:solidFill>
@@ -2205,7 +2245,7 @@
             <a:fld id="{4421235C-BE5D-2045-BA15-C5FB9DA6EB4A}" type="slidenum">
               <a:rPr lang="en-US" sz="1200"/>
               <a:pPr eaLnBrk="1" hangingPunct="1"/>
-              <a:t>15</a:t>
+              <a:t>14</a:t>
             </a:fld>
             <a:endParaRPr lang="en-US" sz="1200"/>
           </a:p>
@@ -2240,14 +2280,14 @@
           <a:ln/>
           <a:extLst>
             <a:ext uri="{909E8E84-426E-40dd-AFC4-6F175D3DCCD1}">
-              <a14:hiddenFill xmlns:a14="http://schemas.microsoft.com/office/drawing/2010/main">
+              <a14:hiddenFill xmlns:a14="http://schemas.microsoft.com/office/drawing/2010/main" xmlns="">
                 <a:solidFill>
                   <a:srgbClr val="FFFFFF"/>
                 </a:solidFill>
               </a14:hiddenFill>
             </a:ext>
             <a:ext uri="{91240B29-F687-4f45-9708-019B960494DF}">
-              <a14:hiddenLine xmlns:a14="http://schemas.microsoft.com/office/drawing/2010/main" w="9525">
+              <a14:hiddenLine xmlns:a14="http://schemas.microsoft.com/office/drawing/2010/main" xmlns="" w="9525">
                 <a:solidFill>
                   <a:srgbClr val="000000"/>
                 </a:solidFill>
@@ -2274,6 +2314,11 @@
         </p:txBody>
       </p:sp>
     </p:spTree>
+    <p:extLst>
+      <p:ext uri="{BB962C8B-B14F-4D97-AF65-F5344CB8AC3E}">
+        <p14:creationId xmlns:p14="http://schemas.microsoft.com/office/powerpoint/2010/main" val="2442120099"/>
+      </p:ext>
+    </p:extLst>
   </p:cSld>
   <p:clrMapOvr>
     <a:masterClrMapping/>
@@ -2313,14 +2358,14 @@
           <a:ln/>
           <a:extLst>
             <a:ext uri="{909E8E84-426E-40dd-AFC4-6F175D3DCCD1}">
-              <a14:hiddenFill xmlns:a14="http://schemas.microsoft.com/office/drawing/2010/main">
+              <a14:hiddenFill xmlns:a14="http://schemas.microsoft.com/office/drawing/2010/main" xmlns="">
                 <a:solidFill>
                   <a:srgbClr val="FFFFFF"/>
                 </a:solidFill>
               </a14:hiddenFill>
             </a:ext>
             <a:ext uri="{91240B29-F687-4f45-9708-019B960494DF}">
-              <a14:hiddenLine xmlns:a14="http://schemas.microsoft.com/office/drawing/2010/main" w="9525">
+              <a14:hiddenLine xmlns:a14="http://schemas.microsoft.com/office/drawing/2010/main" xmlns="" w="9525">
                 <a:solidFill>
                   <a:srgbClr val="000000"/>
                 </a:solidFill>
@@ -2446,7 +2491,7 @@
             <a:fld id="{C2983A9E-3515-3945-9E49-47A51080FE22}" type="slidenum">
               <a:rPr lang="en-US" sz="1200"/>
               <a:pPr eaLnBrk="1" hangingPunct="1"/>
-              <a:t>16</a:t>
+              <a:t>15</a:t>
             </a:fld>
             <a:endParaRPr lang="en-US" sz="1200"/>
           </a:p>
@@ -2481,14 +2526,14 @@
           <a:ln/>
           <a:extLst>
             <a:ext uri="{909E8E84-426E-40dd-AFC4-6F175D3DCCD1}">
-              <a14:hiddenFill xmlns:a14="http://schemas.microsoft.com/office/drawing/2010/main">
+              <a14:hiddenFill xmlns:a14="http://schemas.microsoft.com/office/drawing/2010/main" xmlns="">
                 <a:solidFill>
                   <a:srgbClr val="FFFFFF"/>
                 </a:solidFill>
               </a14:hiddenFill>
             </a:ext>
             <a:ext uri="{91240B29-F687-4f45-9708-019B960494DF}">
-              <a14:hiddenLine xmlns:a14="http://schemas.microsoft.com/office/drawing/2010/main" w="9525">
+              <a14:hiddenLine xmlns:a14="http://schemas.microsoft.com/office/drawing/2010/main" xmlns="" w="9525">
                 <a:solidFill>
                   <a:srgbClr val="000000"/>
                 </a:solidFill>
@@ -2498,7 +2543,7 @@
               </a14:hiddenLine>
             </a:ext>
             <a:ext uri="{FAA26D3D-D897-4be2-8F04-BA451C77F1D7}">
-              <ma14:placeholderFlag xmlns:ma14="http://schemas.microsoft.com/office/mac/drawingml/2011/main" val="1"/>
+              <ma14:placeholderFlag xmlns:ma14="http://schemas.microsoft.com/office/mac/drawingml/2011/main" xmlns="" val="1"/>
             </a:ext>
           </a:extLst>
         </p:spPr>
@@ -2515,6 +2560,11 @@
         </p:txBody>
       </p:sp>
     </p:spTree>
+    <p:extLst>
+      <p:ext uri="{BB962C8B-B14F-4D97-AF65-F5344CB8AC3E}">
+        <p14:creationId xmlns:p14="http://schemas.microsoft.com/office/powerpoint/2010/main" val="2318843805"/>
+      </p:ext>
+    </p:extLst>
   </p:cSld>
   <p:clrMapOvr>
     <a:masterClrMapping/>
@@ -2554,14 +2604,14 @@
           <a:ln/>
           <a:extLst>
             <a:ext uri="{909E8E84-426E-40dd-AFC4-6F175D3DCCD1}">
-              <a14:hiddenFill xmlns:a14="http://schemas.microsoft.com/office/drawing/2010/main">
+              <a14:hiddenFill xmlns:a14="http://schemas.microsoft.com/office/drawing/2010/main" xmlns="">
                 <a:solidFill>
                   <a:srgbClr val="FFFFFF"/>
                 </a:solidFill>
               </a14:hiddenFill>
             </a:ext>
             <a:ext uri="{91240B29-F687-4f45-9708-019B960494DF}">
-              <a14:hiddenLine xmlns:a14="http://schemas.microsoft.com/office/drawing/2010/main" w="9525">
+              <a14:hiddenLine xmlns:a14="http://schemas.microsoft.com/office/drawing/2010/main" xmlns="" w="9525">
                 <a:solidFill>
                   <a:srgbClr val="000000"/>
                 </a:solidFill>
@@ -2687,7 +2737,7 @@
             <a:fld id="{CFEAA7C7-B4F6-0548-A243-D6BC2E443BBF}" type="slidenum">
               <a:rPr lang="en-US" sz="1200"/>
               <a:pPr eaLnBrk="1" hangingPunct="1"/>
-              <a:t>17</a:t>
+              <a:t>16</a:t>
             </a:fld>
             <a:endParaRPr lang="en-US" sz="1200"/>
           </a:p>
@@ -2722,14 +2772,14 @@
           <a:ln/>
           <a:extLst>
             <a:ext uri="{909E8E84-426E-40dd-AFC4-6F175D3DCCD1}">
-              <a14:hiddenFill xmlns:a14="http://schemas.microsoft.com/office/drawing/2010/main">
+              <a14:hiddenFill xmlns:a14="http://schemas.microsoft.com/office/drawing/2010/main" xmlns="">
                 <a:solidFill>
                   <a:srgbClr val="FFFFFF"/>
                 </a:solidFill>
               </a14:hiddenFill>
             </a:ext>
             <a:ext uri="{91240B29-F687-4f45-9708-019B960494DF}">
-              <a14:hiddenLine xmlns:a14="http://schemas.microsoft.com/office/drawing/2010/main" w="9525">
+              <a14:hiddenLine xmlns:a14="http://schemas.microsoft.com/office/drawing/2010/main" xmlns="" w="9525">
                 <a:solidFill>
                   <a:srgbClr val="000000"/>
                 </a:solidFill>
@@ -2739,7 +2789,7 @@
               </a14:hiddenLine>
             </a:ext>
             <a:ext uri="{FAA26D3D-D897-4be2-8F04-BA451C77F1D7}">
-              <ma14:placeholderFlag xmlns:ma14="http://schemas.microsoft.com/office/mac/drawingml/2011/main" val="1"/>
+              <ma14:placeholderFlag xmlns:ma14="http://schemas.microsoft.com/office/mac/drawingml/2011/main" xmlns="" val="1"/>
             </a:ext>
           </a:extLst>
         </p:spPr>
@@ -2756,6 +2806,11 @@
         </p:txBody>
       </p:sp>
     </p:spTree>
+    <p:extLst>
+      <p:ext uri="{BB962C8B-B14F-4D97-AF65-F5344CB8AC3E}">
+        <p14:creationId xmlns:p14="http://schemas.microsoft.com/office/powerpoint/2010/main" val="479336654"/>
+      </p:ext>
+    </p:extLst>
   </p:cSld>
   <p:clrMapOvr>
     <a:masterClrMapping/>
@@ -2795,14 +2850,14 @@
           <a:ln/>
           <a:extLst>
             <a:ext uri="{909E8E84-426E-40dd-AFC4-6F175D3DCCD1}">
-              <a14:hiddenFill xmlns:a14="http://schemas.microsoft.com/office/drawing/2010/main">
+              <a14:hiddenFill xmlns:a14="http://schemas.microsoft.com/office/drawing/2010/main" xmlns="">
                 <a:solidFill>
                   <a:srgbClr val="FFFFFF"/>
                 </a:solidFill>
               </a14:hiddenFill>
             </a:ext>
             <a:ext uri="{91240B29-F687-4f45-9708-019B960494DF}">
-              <a14:hiddenLine xmlns:a14="http://schemas.microsoft.com/office/drawing/2010/main" w="9525">
+              <a14:hiddenLine xmlns:a14="http://schemas.microsoft.com/office/drawing/2010/main" xmlns="" w="9525">
                 <a:solidFill>
                   <a:srgbClr val="000000"/>
                 </a:solidFill>
@@ -2928,7 +2983,7 @@
             <a:fld id="{F8D7EE8F-1DFF-2248-A93F-58E10A738962}" type="slidenum">
               <a:rPr lang="en-US" sz="1200"/>
               <a:pPr eaLnBrk="1" hangingPunct="1"/>
-              <a:t>18</a:t>
+              <a:t>17</a:t>
             </a:fld>
             <a:endParaRPr lang="en-US" sz="1200"/>
           </a:p>
@@ -2963,14 +3018,14 @@
           <a:ln/>
           <a:extLst>
             <a:ext uri="{909E8E84-426E-40dd-AFC4-6F175D3DCCD1}">
-              <a14:hiddenFill xmlns:a14="http://schemas.microsoft.com/office/drawing/2010/main">
+              <a14:hiddenFill xmlns:a14="http://schemas.microsoft.com/office/drawing/2010/main" xmlns="">
                 <a:solidFill>
                   <a:srgbClr val="FFFFFF"/>
                 </a:solidFill>
               </a14:hiddenFill>
             </a:ext>
             <a:ext uri="{91240B29-F687-4f45-9708-019B960494DF}">
-              <a14:hiddenLine xmlns:a14="http://schemas.microsoft.com/office/drawing/2010/main" w="9525">
+              <a14:hiddenLine xmlns:a14="http://schemas.microsoft.com/office/drawing/2010/main" xmlns="" w="9525">
                 <a:solidFill>
                   <a:srgbClr val="000000"/>
                 </a:solidFill>
@@ -2980,7 +3035,7 @@
               </a14:hiddenLine>
             </a:ext>
             <a:ext uri="{FAA26D3D-D897-4be2-8F04-BA451C77F1D7}">
-              <ma14:placeholderFlag xmlns:ma14="http://schemas.microsoft.com/office/mac/drawingml/2011/main" val="1"/>
+              <ma14:placeholderFlag xmlns:ma14="http://schemas.microsoft.com/office/mac/drawingml/2011/main" xmlns="" val="1"/>
             </a:ext>
           </a:extLst>
         </p:spPr>
@@ -2997,6 +3052,11 @@
         </p:txBody>
       </p:sp>
     </p:spTree>
+    <p:extLst>
+      <p:ext uri="{BB962C8B-B14F-4D97-AF65-F5344CB8AC3E}">
+        <p14:creationId xmlns:p14="http://schemas.microsoft.com/office/powerpoint/2010/main" val="651781582"/>
+      </p:ext>
+    </p:extLst>
   </p:cSld>
   <p:clrMapOvr>
     <a:masterClrMapping/>
@@ -3036,14 +3096,14 @@
           <a:ln/>
           <a:extLst>
             <a:ext uri="{909E8E84-426E-40dd-AFC4-6F175D3DCCD1}">
-              <a14:hiddenFill xmlns:a14="http://schemas.microsoft.com/office/drawing/2010/main">
+              <a14:hiddenFill xmlns:a14="http://schemas.microsoft.com/office/drawing/2010/main" xmlns="">
                 <a:solidFill>
                   <a:srgbClr val="FFFFFF"/>
                 </a:solidFill>
               </a14:hiddenFill>
             </a:ext>
             <a:ext uri="{91240B29-F687-4f45-9708-019B960494DF}">
-              <a14:hiddenLine xmlns:a14="http://schemas.microsoft.com/office/drawing/2010/main" w="9525">
+              <a14:hiddenLine xmlns:a14="http://schemas.microsoft.com/office/drawing/2010/main" xmlns="" w="9525">
                 <a:solidFill>
                   <a:srgbClr val="000000"/>
                 </a:solidFill>
@@ -3169,7 +3229,7 @@
             <a:fld id="{9928F4F4-EEA7-A04C-99C0-A34A9D3A41D5}" type="slidenum">
               <a:rPr lang="en-US" sz="1200"/>
               <a:pPr eaLnBrk="1" hangingPunct="1"/>
-              <a:t>3</a:t>
+              <a:t>2</a:t>
             </a:fld>
             <a:endParaRPr lang="en-US" sz="1200"/>
           </a:p>
@@ -3204,14 +3264,14 @@
           <a:ln/>
           <a:extLst>
             <a:ext uri="{909E8E84-426E-40dd-AFC4-6F175D3DCCD1}">
-              <a14:hiddenFill xmlns:a14="http://schemas.microsoft.com/office/drawing/2010/main">
+              <a14:hiddenFill xmlns:a14="http://schemas.microsoft.com/office/drawing/2010/main" xmlns="">
                 <a:solidFill>
                   <a:srgbClr val="FFFFFF"/>
                 </a:solidFill>
               </a14:hiddenFill>
             </a:ext>
             <a:ext uri="{91240B29-F687-4f45-9708-019B960494DF}">
-              <a14:hiddenLine xmlns:a14="http://schemas.microsoft.com/office/drawing/2010/main" w="9525">
+              <a14:hiddenLine xmlns:a14="http://schemas.microsoft.com/office/drawing/2010/main" xmlns="" w="9525">
                 <a:solidFill>
                   <a:srgbClr val="000000"/>
                 </a:solidFill>
@@ -3250,6 +3310,11 @@
         </p:txBody>
       </p:sp>
     </p:spTree>
+    <p:extLst>
+      <p:ext uri="{BB962C8B-B14F-4D97-AF65-F5344CB8AC3E}">
+        <p14:creationId xmlns:p14="http://schemas.microsoft.com/office/powerpoint/2010/main" val="681129634"/>
+      </p:ext>
+    </p:extLst>
   </p:cSld>
   <p:clrMapOvr>
     <a:masterClrMapping/>
@@ -3289,14 +3354,14 @@
           <a:ln/>
           <a:extLst>
             <a:ext uri="{909E8E84-426E-40dd-AFC4-6F175D3DCCD1}">
-              <a14:hiddenFill xmlns:a14="http://schemas.microsoft.com/office/drawing/2010/main">
+              <a14:hiddenFill xmlns:a14="http://schemas.microsoft.com/office/drawing/2010/main" xmlns="">
                 <a:solidFill>
                   <a:srgbClr val="FFFFFF"/>
                 </a:solidFill>
               </a14:hiddenFill>
             </a:ext>
             <a:ext uri="{91240B29-F687-4f45-9708-019B960494DF}">
-              <a14:hiddenLine xmlns:a14="http://schemas.microsoft.com/office/drawing/2010/main" w="9525">
+              <a14:hiddenLine xmlns:a14="http://schemas.microsoft.com/office/drawing/2010/main" xmlns="" w="9525">
                 <a:solidFill>
                   <a:srgbClr val="000000"/>
                 </a:solidFill>
@@ -3422,7 +3487,7 @@
             <a:fld id="{CDD84BC1-AC17-5543-BBD9-8C0B261B1D43}" type="slidenum">
               <a:rPr lang="en-US" sz="1200"/>
               <a:pPr eaLnBrk="1" hangingPunct="1"/>
-              <a:t>4</a:t>
+              <a:t>3</a:t>
             </a:fld>
             <a:endParaRPr lang="en-US" sz="1200"/>
           </a:p>
@@ -3457,14 +3522,14 @@
           <a:ln/>
           <a:extLst>
             <a:ext uri="{909E8E84-426E-40dd-AFC4-6F175D3DCCD1}">
-              <a14:hiddenFill xmlns:a14="http://schemas.microsoft.com/office/drawing/2010/main">
+              <a14:hiddenFill xmlns:a14="http://schemas.microsoft.com/office/drawing/2010/main" xmlns="">
                 <a:solidFill>
                   <a:srgbClr val="FFFFFF"/>
                 </a:solidFill>
               </a14:hiddenFill>
             </a:ext>
             <a:ext uri="{91240B29-F687-4f45-9708-019B960494DF}">
-              <a14:hiddenLine xmlns:a14="http://schemas.microsoft.com/office/drawing/2010/main" w="9525">
+              <a14:hiddenLine xmlns:a14="http://schemas.microsoft.com/office/drawing/2010/main" xmlns="" w="9525">
                 <a:solidFill>
                   <a:srgbClr val="000000"/>
                 </a:solidFill>
@@ -3474,7 +3539,7 @@
               </a14:hiddenLine>
             </a:ext>
             <a:ext uri="{FAA26D3D-D897-4be2-8F04-BA451C77F1D7}">
-              <ma14:placeholderFlag xmlns:ma14="http://schemas.microsoft.com/office/mac/drawingml/2011/main" val="1"/>
+              <ma14:placeholderFlag xmlns:ma14="http://schemas.microsoft.com/office/mac/drawingml/2011/main" xmlns="" val="1"/>
             </a:ext>
           </a:extLst>
         </p:spPr>
@@ -3491,6 +3556,11 @@
         </p:txBody>
       </p:sp>
     </p:spTree>
+    <p:extLst>
+      <p:ext uri="{BB962C8B-B14F-4D97-AF65-F5344CB8AC3E}">
+        <p14:creationId xmlns:p14="http://schemas.microsoft.com/office/powerpoint/2010/main" val="2158208546"/>
+      </p:ext>
+    </p:extLst>
   </p:cSld>
   <p:clrMapOvr>
     <a:masterClrMapping/>
@@ -3530,14 +3600,14 @@
           <a:ln/>
           <a:extLst>
             <a:ext uri="{909E8E84-426E-40dd-AFC4-6F175D3DCCD1}">
-              <a14:hiddenFill xmlns:a14="http://schemas.microsoft.com/office/drawing/2010/main">
+              <a14:hiddenFill xmlns:a14="http://schemas.microsoft.com/office/drawing/2010/main" xmlns="">
                 <a:solidFill>
                   <a:srgbClr val="FFFFFF"/>
                 </a:solidFill>
               </a14:hiddenFill>
             </a:ext>
             <a:ext uri="{91240B29-F687-4f45-9708-019B960494DF}">
-              <a14:hiddenLine xmlns:a14="http://schemas.microsoft.com/office/drawing/2010/main" w="9525">
+              <a14:hiddenLine xmlns:a14="http://schemas.microsoft.com/office/drawing/2010/main" xmlns="" w="9525">
                 <a:solidFill>
                   <a:srgbClr val="000000"/>
                 </a:solidFill>
@@ -3663,7 +3733,7 @@
             <a:fld id="{446A98EB-F3A7-F34C-AC1F-455469C8A166}" type="slidenum">
               <a:rPr lang="en-US" sz="1200"/>
               <a:pPr eaLnBrk="1" hangingPunct="1"/>
-              <a:t>5</a:t>
+              <a:t>4</a:t>
             </a:fld>
             <a:endParaRPr lang="en-US" sz="1200"/>
           </a:p>
@@ -3698,14 +3768,14 @@
           <a:ln/>
           <a:extLst>
             <a:ext uri="{909E8E84-426E-40dd-AFC4-6F175D3DCCD1}">
-              <a14:hiddenFill xmlns:a14="http://schemas.microsoft.com/office/drawing/2010/main">
+              <a14:hiddenFill xmlns:a14="http://schemas.microsoft.com/office/drawing/2010/main" xmlns="">
                 <a:solidFill>
                   <a:srgbClr val="FFFFFF"/>
                 </a:solidFill>
               </a14:hiddenFill>
             </a:ext>
             <a:ext uri="{91240B29-F687-4f45-9708-019B960494DF}">
-              <a14:hiddenLine xmlns:a14="http://schemas.microsoft.com/office/drawing/2010/main" w="9525">
+              <a14:hiddenLine xmlns:a14="http://schemas.microsoft.com/office/drawing/2010/main" xmlns="" w="9525">
                 <a:solidFill>
                   <a:srgbClr val="000000"/>
                 </a:solidFill>
@@ -3715,7 +3785,7 @@
               </a14:hiddenLine>
             </a:ext>
             <a:ext uri="{FAA26D3D-D897-4be2-8F04-BA451C77F1D7}">
-              <ma14:placeholderFlag xmlns:ma14="http://schemas.microsoft.com/office/mac/drawingml/2011/main" val="1"/>
+              <ma14:placeholderFlag xmlns:ma14="http://schemas.microsoft.com/office/mac/drawingml/2011/main" xmlns="" val="1"/>
             </a:ext>
           </a:extLst>
         </p:spPr>
@@ -3732,6 +3802,11 @@
         </p:txBody>
       </p:sp>
     </p:spTree>
+    <p:extLst>
+      <p:ext uri="{BB962C8B-B14F-4D97-AF65-F5344CB8AC3E}">
+        <p14:creationId xmlns:p14="http://schemas.microsoft.com/office/powerpoint/2010/main" val="2926803165"/>
+      </p:ext>
+    </p:extLst>
   </p:cSld>
   <p:clrMapOvr>
     <a:masterClrMapping/>
@@ -3771,14 +3846,14 @@
           <a:ln/>
           <a:extLst>
             <a:ext uri="{909E8E84-426E-40dd-AFC4-6F175D3DCCD1}">
-              <a14:hiddenFill xmlns:a14="http://schemas.microsoft.com/office/drawing/2010/main">
+              <a14:hiddenFill xmlns:a14="http://schemas.microsoft.com/office/drawing/2010/main" xmlns="">
                 <a:solidFill>
                   <a:srgbClr val="FFFFFF"/>
                 </a:solidFill>
               </a14:hiddenFill>
             </a:ext>
             <a:ext uri="{91240B29-F687-4f45-9708-019B960494DF}">
-              <a14:hiddenLine xmlns:a14="http://schemas.microsoft.com/office/drawing/2010/main" w="9525">
+              <a14:hiddenLine xmlns:a14="http://schemas.microsoft.com/office/drawing/2010/main" xmlns="" w="9525">
                 <a:solidFill>
                   <a:srgbClr val="000000"/>
                 </a:solidFill>
@@ -3904,7 +3979,7 @@
             <a:fld id="{A10CC30C-88F9-A54A-9A5B-77191C5D1A12}" type="slidenum">
               <a:rPr lang="en-US" sz="1200"/>
               <a:pPr eaLnBrk="1" hangingPunct="1"/>
-              <a:t>6</a:t>
+              <a:t>5</a:t>
             </a:fld>
             <a:endParaRPr lang="en-US" sz="1200"/>
           </a:p>
@@ -3939,14 +4014,14 @@
           <a:ln/>
           <a:extLst>
             <a:ext uri="{909E8E84-426E-40dd-AFC4-6F175D3DCCD1}">
-              <a14:hiddenFill xmlns:a14="http://schemas.microsoft.com/office/drawing/2010/main">
+              <a14:hiddenFill xmlns:a14="http://schemas.microsoft.com/office/drawing/2010/main" xmlns="">
                 <a:solidFill>
                   <a:srgbClr val="FFFFFF"/>
                 </a:solidFill>
               </a14:hiddenFill>
             </a:ext>
             <a:ext uri="{91240B29-F687-4f45-9708-019B960494DF}">
-              <a14:hiddenLine xmlns:a14="http://schemas.microsoft.com/office/drawing/2010/main" w="9525">
+              <a14:hiddenLine xmlns:a14="http://schemas.microsoft.com/office/drawing/2010/main" xmlns="" w="9525">
                 <a:solidFill>
                   <a:srgbClr val="000000"/>
                 </a:solidFill>
@@ -3973,6 +4048,11 @@
         </p:txBody>
       </p:sp>
     </p:spTree>
+    <p:extLst>
+      <p:ext uri="{BB962C8B-B14F-4D97-AF65-F5344CB8AC3E}">
+        <p14:creationId xmlns:p14="http://schemas.microsoft.com/office/powerpoint/2010/main" val="590007178"/>
+      </p:ext>
+    </p:extLst>
   </p:cSld>
   <p:clrMapOvr>
     <a:masterClrMapping/>
@@ -4012,14 +4092,14 @@
           <a:ln/>
           <a:extLst>
             <a:ext uri="{909E8E84-426E-40dd-AFC4-6F175D3DCCD1}">
-              <a14:hiddenFill xmlns:a14="http://schemas.microsoft.com/office/drawing/2010/main">
+              <a14:hiddenFill xmlns:a14="http://schemas.microsoft.com/office/drawing/2010/main" xmlns="">
                 <a:solidFill>
                   <a:srgbClr val="FFFFFF"/>
                 </a:solidFill>
               </a14:hiddenFill>
             </a:ext>
             <a:ext uri="{91240B29-F687-4f45-9708-019B960494DF}">
-              <a14:hiddenLine xmlns:a14="http://schemas.microsoft.com/office/drawing/2010/main" w="9525">
+              <a14:hiddenLine xmlns:a14="http://schemas.microsoft.com/office/drawing/2010/main" xmlns="" w="9525">
                 <a:solidFill>
                   <a:srgbClr val="000000"/>
                 </a:solidFill>
@@ -4145,7 +4225,7 @@
             <a:fld id="{EA90645F-2E24-D642-A586-8EA4A902C6A4}" type="slidenum">
               <a:rPr lang="en-US" sz="1200"/>
               <a:pPr eaLnBrk="1" hangingPunct="1"/>
-              <a:t>7</a:t>
+              <a:t>6</a:t>
             </a:fld>
             <a:endParaRPr lang="en-US" sz="1200"/>
           </a:p>
@@ -4180,14 +4260,14 @@
           <a:ln/>
           <a:extLst>
             <a:ext uri="{909E8E84-426E-40dd-AFC4-6F175D3DCCD1}">
-              <a14:hiddenFill xmlns:a14="http://schemas.microsoft.com/office/drawing/2010/main">
+              <a14:hiddenFill xmlns:a14="http://schemas.microsoft.com/office/drawing/2010/main" xmlns="">
                 <a:solidFill>
                   <a:srgbClr val="FFFFFF"/>
                 </a:solidFill>
               </a14:hiddenFill>
             </a:ext>
             <a:ext uri="{91240B29-F687-4f45-9708-019B960494DF}">
-              <a14:hiddenLine xmlns:a14="http://schemas.microsoft.com/office/drawing/2010/main" w="9525">
+              <a14:hiddenLine xmlns:a14="http://schemas.microsoft.com/office/drawing/2010/main" xmlns="" w="9525">
                 <a:solidFill>
                   <a:srgbClr val="000000"/>
                 </a:solidFill>
@@ -4197,7 +4277,7 @@
               </a14:hiddenLine>
             </a:ext>
             <a:ext uri="{FAA26D3D-D897-4be2-8F04-BA451C77F1D7}">
-              <ma14:placeholderFlag xmlns:ma14="http://schemas.microsoft.com/office/mac/drawingml/2011/main" val="1"/>
+              <ma14:placeholderFlag xmlns:ma14="http://schemas.microsoft.com/office/mac/drawingml/2011/main" xmlns="" val="1"/>
             </a:ext>
           </a:extLst>
         </p:spPr>
@@ -4214,6 +4294,11 @@
         </p:txBody>
       </p:sp>
     </p:spTree>
+    <p:extLst>
+      <p:ext uri="{BB962C8B-B14F-4D97-AF65-F5344CB8AC3E}">
+        <p14:creationId xmlns:p14="http://schemas.microsoft.com/office/powerpoint/2010/main" val="3163922633"/>
+      </p:ext>
+    </p:extLst>
   </p:cSld>
   <p:clrMapOvr>
     <a:masterClrMapping/>
@@ -4253,14 +4338,14 @@
           <a:ln/>
           <a:extLst>
             <a:ext uri="{909E8E84-426E-40dd-AFC4-6F175D3DCCD1}">
-              <a14:hiddenFill xmlns:a14="http://schemas.microsoft.com/office/drawing/2010/main">
+              <a14:hiddenFill xmlns:a14="http://schemas.microsoft.com/office/drawing/2010/main" xmlns="">
                 <a:solidFill>
                   <a:srgbClr val="FFFFFF"/>
                 </a:solidFill>
               </a14:hiddenFill>
             </a:ext>
             <a:ext uri="{91240B29-F687-4f45-9708-019B960494DF}">
-              <a14:hiddenLine xmlns:a14="http://schemas.microsoft.com/office/drawing/2010/main" w="9525">
+              <a14:hiddenLine xmlns:a14="http://schemas.microsoft.com/office/drawing/2010/main" xmlns="" w="9525">
                 <a:solidFill>
                   <a:srgbClr val="000000"/>
                 </a:solidFill>
@@ -4386,7 +4471,7 @@
             <a:fld id="{28564BB6-EB3C-5745-A04A-173230D84776}" type="slidenum">
               <a:rPr lang="en-US" sz="1200"/>
               <a:pPr eaLnBrk="1" hangingPunct="1"/>
-              <a:t>8</a:t>
+              <a:t>7</a:t>
             </a:fld>
             <a:endParaRPr lang="en-US" sz="1200"/>
           </a:p>
@@ -4421,14 +4506,14 @@
           <a:ln/>
           <a:extLst>
             <a:ext uri="{909E8E84-426E-40dd-AFC4-6F175D3DCCD1}">
-              <a14:hiddenFill xmlns:a14="http://schemas.microsoft.com/office/drawing/2010/main">
+              <a14:hiddenFill xmlns:a14="http://schemas.microsoft.com/office/drawing/2010/main" xmlns="">
                 <a:solidFill>
                   <a:srgbClr val="FFFFFF"/>
                 </a:solidFill>
               </a14:hiddenFill>
             </a:ext>
             <a:ext uri="{91240B29-F687-4f45-9708-019B960494DF}">
-              <a14:hiddenLine xmlns:a14="http://schemas.microsoft.com/office/drawing/2010/main" w="9525">
+              <a14:hiddenLine xmlns:a14="http://schemas.microsoft.com/office/drawing/2010/main" xmlns="" w="9525">
                 <a:solidFill>
                   <a:srgbClr val="000000"/>
                 </a:solidFill>
@@ -4438,7 +4523,7 @@
               </a14:hiddenLine>
             </a:ext>
             <a:ext uri="{FAA26D3D-D897-4be2-8F04-BA451C77F1D7}">
-              <ma14:placeholderFlag xmlns:ma14="http://schemas.microsoft.com/office/mac/drawingml/2011/main" val="1"/>
+              <ma14:placeholderFlag xmlns:ma14="http://schemas.microsoft.com/office/mac/drawingml/2011/main" xmlns="" val="1"/>
             </a:ext>
           </a:extLst>
         </p:spPr>
@@ -4455,6 +4540,11 @@
         </p:txBody>
       </p:sp>
     </p:spTree>
+    <p:extLst>
+      <p:ext uri="{BB962C8B-B14F-4D97-AF65-F5344CB8AC3E}">
+        <p14:creationId xmlns:p14="http://schemas.microsoft.com/office/powerpoint/2010/main" val="3381363069"/>
+      </p:ext>
+    </p:extLst>
   </p:cSld>
   <p:clrMapOvr>
     <a:masterClrMapping/>
@@ -4494,14 +4584,14 @@
           <a:ln/>
           <a:extLst>
             <a:ext uri="{909E8E84-426E-40dd-AFC4-6F175D3DCCD1}">
-              <a14:hiddenFill xmlns:a14="http://schemas.microsoft.com/office/drawing/2010/main">
+              <a14:hiddenFill xmlns:a14="http://schemas.microsoft.com/office/drawing/2010/main" xmlns="">
                 <a:solidFill>
                   <a:srgbClr val="FFFFFF"/>
                 </a:solidFill>
               </a14:hiddenFill>
             </a:ext>
             <a:ext uri="{91240B29-F687-4f45-9708-019B960494DF}">
-              <a14:hiddenLine xmlns:a14="http://schemas.microsoft.com/office/drawing/2010/main" w="9525">
+              <a14:hiddenLine xmlns:a14="http://schemas.microsoft.com/office/drawing/2010/main" xmlns="" w="9525">
                 <a:solidFill>
                   <a:srgbClr val="000000"/>
                 </a:solidFill>
@@ -4627,7 +4717,7 @@
             <a:fld id="{F58B42E4-A465-EB4B-87C7-5E060A9F52AF}" type="slidenum">
               <a:rPr lang="en-US" sz="1200"/>
               <a:pPr eaLnBrk="1" hangingPunct="1"/>
-              <a:t>9</a:t>
+              <a:t>8</a:t>
             </a:fld>
             <a:endParaRPr lang="en-US" sz="1200"/>
           </a:p>
@@ -4662,14 +4752,14 @@
           <a:ln/>
           <a:extLst>
             <a:ext uri="{909E8E84-426E-40dd-AFC4-6F175D3DCCD1}">
-              <a14:hiddenFill xmlns:a14="http://schemas.microsoft.com/office/drawing/2010/main">
+              <a14:hiddenFill xmlns:a14="http://schemas.microsoft.com/office/drawing/2010/main" xmlns="">
                 <a:solidFill>
                   <a:srgbClr val="FFFFFF"/>
                 </a:solidFill>
               </a14:hiddenFill>
             </a:ext>
             <a:ext uri="{91240B29-F687-4f45-9708-019B960494DF}">
-              <a14:hiddenLine xmlns:a14="http://schemas.microsoft.com/office/drawing/2010/main" w="9525">
+              <a14:hiddenLine xmlns:a14="http://schemas.microsoft.com/office/drawing/2010/main" xmlns="" w="9525">
                 <a:solidFill>
                   <a:srgbClr val="000000"/>
                 </a:solidFill>
@@ -4679,7 +4769,7 @@
               </a14:hiddenLine>
             </a:ext>
             <a:ext uri="{FAA26D3D-D897-4be2-8F04-BA451C77F1D7}">
-              <ma14:placeholderFlag xmlns:ma14="http://schemas.microsoft.com/office/mac/drawingml/2011/main" val="1"/>
+              <ma14:placeholderFlag xmlns:ma14="http://schemas.microsoft.com/office/mac/drawingml/2011/main" xmlns="" val="1"/>
             </a:ext>
           </a:extLst>
         </p:spPr>
@@ -4696,6 +4786,11 @@
         </p:txBody>
       </p:sp>
     </p:spTree>
+    <p:extLst>
+      <p:ext uri="{BB962C8B-B14F-4D97-AF65-F5344CB8AC3E}">
+        <p14:creationId xmlns:p14="http://schemas.microsoft.com/office/powerpoint/2010/main" val="3647954697"/>
+      </p:ext>
+    </p:extLst>
   </p:cSld>
   <p:clrMapOvr>
     <a:masterClrMapping/>
@@ -4735,14 +4830,14 @@
           <a:ln/>
           <a:extLst>
             <a:ext uri="{909E8E84-426E-40dd-AFC4-6F175D3DCCD1}">
-              <a14:hiddenFill xmlns:a14="http://schemas.microsoft.com/office/drawing/2010/main">
+              <a14:hiddenFill xmlns:a14="http://schemas.microsoft.com/office/drawing/2010/main" xmlns="">
                 <a:solidFill>
                   <a:srgbClr val="FFFFFF"/>
                 </a:solidFill>
               </a14:hiddenFill>
             </a:ext>
             <a:ext uri="{91240B29-F687-4f45-9708-019B960494DF}">
-              <a14:hiddenLine xmlns:a14="http://schemas.microsoft.com/office/drawing/2010/main" w="9525">
+              <a14:hiddenLine xmlns:a14="http://schemas.microsoft.com/office/drawing/2010/main" xmlns="" w="9525">
                 <a:solidFill>
                   <a:srgbClr val="000000"/>
                 </a:solidFill>
@@ -4868,7 +4963,7 @@
             <a:fld id="{F95C73ED-D280-2B42-9D22-8BF88479171F}" type="slidenum">
               <a:rPr lang="en-US" sz="1200"/>
               <a:pPr eaLnBrk="1" hangingPunct="1"/>
-              <a:t>10</a:t>
+              <a:t>9</a:t>
             </a:fld>
             <a:endParaRPr lang="en-US" sz="1200"/>
           </a:p>
@@ -4903,14 +4998,14 @@
           <a:ln/>
           <a:extLst>
             <a:ext uri="{909E8E84-426E-40dd-AFC4-6F175D3DCCD1}">
-              <a14:hiddenFill xmlns:a14="http://schemas.microsoft.com/office/drawing/2010/main">
+              <a14:hiddenFill xmlns:a14="http://schemas.microsoft.com/office/drawing/2010/main" xmlns="">
                 <a:solidFill>
                   <a:srgbClr val="FFFFFF"/>
                 </a:solidFill>
               </a14:hiddenFill>
             </a:ext>
             <a:ext uri="{91240B29-F687-4f45-9708-019B960494DF}">
-              <a14:hiddenLine xmlns:a14="http://schemas.microsoft.com/office/drawing/2010/main" w="9525">
+              <a14:hiddenLine xmlns:a14="http://schemas.microsoft.com/office/drawing/2010/main" xmlns="" w="9525">
                 <a:solidFill>
                   <a:srgbClr val="000000"/>
                 </a:solidFill>
@@ -4947,6 +5042,11 @@
         </p:txBody>
       </p:sp>
     </p:spTree>
+    <p:extLst>
+      <p:ext uri="{BB962C8B-B14F-4D97-AF65-F5344CB8AC3E}">
+        <p14:creationId xmlns:p14="http://schemas.microsoft.com/office/powerpoint/2010/main" val="815344909"/>
+      </p:ext>
+    </p:extLst>
   </p:cSld>
   <p:clrMapOvr>
     <a:masterClrMapping/>
@@ -7643,14 +7743,14 @@
           </a:ln>
           <a:extLst>
             <a:ext uri="{909E8E84-426E-40dd-AFC4-6F175D3DCCD1}">
-              <a14:hiddenFill xmlns:a14="http://schemas.microsoft.com/office/drawing/2010/main">
+              <a14:hiddenFill xmlns:a14="http://schemas.microsoft.com/office/drawing/2010/main" xmlns="">
                 <a:solidFill>
                   <a:srgbClr val="FFFFFF"/>
                 </a:solidFill>
               </a14:hiddenFill>
             </a:ext>
             <a:ext uri="{91240B29-F687-4f45-9708-019B960494DF}">
-              <a14:hiddenLine xmlns:a14="http://schemas.microsoft.com/office/drawing/2010/main" w="9525">
+              <a14:hiddenLine xmlns:a14="http://schemas.microsoft.com/office/drawing/2010/main" xmlns="" w="9525">
                 <a:solidFill>
                   <a:srgbClr val="000000"/>
                 </a:solidFill>
@@ -7660,7 +7760,7 @@
               </a14:hiddenLine>
             </a:ext>
             <a:ext uri="{FAA26D3D-D897-4be2-8F04-BA451C77F1D7}">
-              <ma14:placeholderFlag xmlns:ma14="http://schemas.microsoft.com/office/mac/drawingml/2011/main" val="1"/>
+              <ma14:placeholderFlag xmlns:ma14="http://schemas.microsoft.com/office/mac/drawingml/2011/main" xmlns="" val="1"/>
             </a:ext>
           </a:extLst>
         </p:spPr>
@@ -7704,14 +7804,14 @@
           </a:ln>
           <a:extLst>
             <a:ext uri="{909E8E84-426E-40dd-AFC4-6F175D3DCCD1}">
-              <a14:hiddenFill xmlns:a14="http://schemas.microsoft.com/office/drawing/2010/main">
+              <a14:hiddenFill xmlns:a14="http://schemas.microsoft.com/office/drawing/2010/main" xmlns="">
                 <a:solidFill>
                   <a:srgbClr val="FFFFFF"/>
                 </a:solidFill>
               </a14:hiddenFill>
             </a:ext>
             <a:ext uri="{91240B29-F687-4f45-9708-019B960494DF}">
-              <a14:hiddenLine xmlns:a14="http://schemas.microsoft.com/office/drawing/2010/main" w="9525">
+              <a14:hiddenLine xmlns:a14="http://schemas.microsoft.com/office/drawing/2010/main" xmlns="" w="9525">
                 <a:solidFill>
                   <a:srgbClr val="000000"/>
                 </a:solidFill>
@@ -7721,7 +7821,7 @@
               </a14:hiddenLine>
             </a:ext>
             <a:ext uri="{FAA26D3D-D897-4be2-8F04-BA451C77F1D7}">
-              <ma14:placeholderFlag xmlns:ma14="http://schemas.microsoft.com/office/mac/drawingml/2011/main" val="1"/>
+              <ma14:placeholderFlag xmlns:ma14="http://schemas.microsoft.com/office/mac/drawingml/2011/main" xmlns="" val="1"/>
             </a:ext>
           </a:extLst>
         </p:spPr>
@@ -8340,324 +8440,68 @@
       </p:grpSpPr>
       <p:sp>
         <p:nvSpPr>
-          <p:cNvPr id="2" name="Title 1"/>
-          <p:cNvSpPr>
-            <a:spLocks noGrp="1"/>
-          </p:cNvSpPr>
-          <p:nvPr>
-            <p:ph type="title"/>
-          </p:nvPr>
-        </p:nvSpPr>
-        <p:spPr/>
+          <p:cNvPr id="15361" name="Rectangle 2"/>
+          <p:cNvSpPr>
+            <a:spLocks noGrp="1" noChangeArrowheads="1"/>
+          </p:cNvSpPr>
+          <p:nvPr>
+            <p:ph type="ctrTitle"/>
+          </p:nvPr>
+        </p:nvSpPr>
+        <p:spPr>
+          <a:xfrm>
+            <a:off x="457200" y="2286000"/>
+            <a:ext cx="7772400" cy="1470025"/>
+          </a:xfrm>
+        </p:spPr>
         <p:txBody>
           <a:bodyPr/>
           <a:lstStyle/>
           <a:p>
-            <a:r>
-              <a:rPr lang="en-US" dirty="0" smtClean="0"/>
-              <a:t>Species Reports</a:t>
-            </a:r>
-            <a:endParaRPr lang="en-US" dirty="0"/>
+            <a:pPr eaLnBrk="1" hangingPunct="1"/>
+            <a:r>
+              <a:rPr lang="en-US" sz="4000">
+                <a:latin typeface="Arial" charset="0"/>
+                <a:ea typeface="ＭＳ Ｐゴシック" charset="0"/>
+                <a:cs typeface="ＭＳ Ｐゴシック" charset="0"/>
+              </a:rPr>
+              <a:t>Class Crustacea: Senses, Development and more Taxonomy</a:t>
+            </a:r>
           </a:p>
         </p:txBody>
       </p:sp>
       <p:sp>
         <p:nvSpPr>
-          <p:cNvPr id="3" name="Content Placeholder 2"/>
-          <p:cNvSpPr>
-            <a:spLocks noGrp="1"/>
-          </p:cNvSpPr>
-          <p:nvPr>
-            <p:ph idx="1"/>
-          </p:nvPr>
-        </p:nvSpPr>
-        <p:spPr/>
+          <p:cNvPr id="15362" name="Rectangle 3"/>
+          <p:cNvSpPr>
+            <a:spLocks noGrp="1" noChangeArrowheads="1"/>
+          </p:cNvSpPr>
+          <p:nvPr>
+            <p:ph type="subTitle" idx="1"/>
+          </p:nvPr>
+        </p:nvSpPr>
+        <p:spPr>
+          <a:xfrm>
+            <a:off x="1371600" y="5105400"/>
+            <a:ext cx="6400800" cy="1752600"/>
+          </a:xfrm>
+        </p:spPr>
         <p:txBody>
           <a:bodyPr/>
           <a:lstStyle/>
           <a:p>
-            <a:r>
-              <a:rPr lang="en-US" dirty="0" smtClean="0"/>
-              <a:t>Make a </a:t>
-            </a:r>
-            <a:r>
-              <a:rPr lang="en-US" dirty="0" smtClean="0"/>
-              <a:t>video</a:t>
-            </a:r>
-            <a:endParaRPr lang="en-US" dirty="0" smtClean="0"/>
-          </a:p>
-          <a:p>
-            <a:r>
-              <a:rPr lang="en-US" dirty="0" smtClean="0"/>
-              <a:t>Have fun!</a:t>
-            </a:r>
-          </a:p>
-          <a:p>
-            <a:r>
-              <a:rPr lang="en-US" dirty="0" smtClean="0"/>
-              <a:t>Use reputable sources to get your information</a:t>
-            </a:r>
-          </a:p>
-          <a:p>
-            <a:r>
-              <a:rPr lang="en-US" dirty="0" smtClean="0"/>
-              <a:t>See the </a:t>
-            </a:r>
-            <a:r>
-              <a:rPr lang="en-US" dirty="0" smtClean="0"/>
-              <a:t>canvas </a:t>
-            </a:r>
-            <a:r>
-              <a:rPr lang="en-US" dirty="0" smtClean="0"/>
-              <a:t>site for the full assignment and an example</a:t>
-            </a:r>
-            <a:endParaRPr lang="en-US" dirty="0"/>
-          </a:p>
-        </p:txBody>
-      </p:sp>
-      <p:pic>
-        <p:nvPicPr>
-          <p:cNvPr id="4" name="Picture 3" descr="Google Image Result for http___www.sciencephoto.com_image_374492_large_Z4800149-Scrambled_egg_nudibranch-SPL.jpg.pdf"/>
-          <p:cNvPicPr>
-            <a:picLocks noChangeAspect="1"/>
-          </p:cNvPicPr>
-          <p:nvPr/>
-        </p:nvPicPr>
-        <p:blipFill>
-          <a:blip r:embed="rId2">
-            <a:extLst>
-              <a:ext uri="{28A0092B-C50C-407E-A947-70E740481C1C}">
-                <a14:useLocalDpi xmlns:a14="http://schemas.microsoft.com/office/drawing/2010/main" val="0"/>
-              </a:ext>
-            </a:extLst>
-          </a:blip>
-          <a:stretch>
-            <a:fillRect/>
-          </a:stretch>
-        </p:blipFill>
-        <p:spPr>
-          <a:xfrm>
-            <a:off x="6400800" y="4984200"/>
-            <a:ext cx="2743200" cy="1873800"/>
-          </a:xfrm>
-          <a:prstGeom prst="rect">
-            <a:avLst/>
-          </a:prstGeom>
-        </p:spPr>
-      </p:pic>
-    </p:spTree>
-    <p:extLst>
-      <p:ext uri="{BB962C8B-B14F-4D97-AF65-F5344CB8AC3E}">
-        <p14:creationId xmlns:p14="http://schemas.microsoft.com/office/powerpoint/2010/main" val="53749226"/>
-      </p:ext>
-    </p:extLst>
-  </p:cSld>
-  <p:clrMapOvr>
-    <a:masterClrMapping/>
-  </p:clrMapOvr>
-  <p:timing>
-    <p:tnLst>
-      <p:par>
-        <p:cTn xmlns:p14="http://schemas.microsoft.com/office/powerpoint/2010/main" id="1" dur="indefinite" restart="never" nodeType="tmRoot"/>
-      </p:par>
-    </p:tnLst>
-  </p:timing>
-</p:sld>
-</file>
-
-<file path=ppt/slides/slide10.xml><?xml version="1.0" encoding="utf-8"?>
-<p:sld xmlns:a="http://schemas.openxmlformats.org/drawingml/2006/main" xmlns:r="http://schemas.openxmlformats.org/officeDocument/2006/relationships" xmlns:p="http://schemas.openxmlformats.org/presentationml/2006/main">
-  <p:cSld>
-    <p:spTree>
-      <p:nvGrpSpPr>
-        <p:cNvPr id="1" name=""/>
-        <p:cNvGrpSpPr/>
-        <p:nvPr/>
-      </p:nvGrpSpPr>
-      <p:grpSpPr>
-        <a:xfrm>
-          <a:off x="0" y="0"/>
-          <a:ext cx="0" cy="0"/>
-          <a:chOff x="0" y="0"/>
-          <a:chExt cx="0" cy="0"/>
-        </a:xfrm>
-      </p:grpSpPr>
-      <p:sp>
-        <p:nvSpPr>
-          <p:cNvPr id="31745" name="Rectangle 3"/>
-          <p:cNvSpPr>
-            <a:spLocks noGrp="1" noChangeArrowheads="1"/>
-          </p:cNvSpPr>
-          <p:nvPr>
-            <p:ph type="body" idx="1"/>
-          </p:nvPr>
-        </p:nvSpPr>
-        <p:spPr>
-          <a:xfrm>
-            <a:off x="457200" y="1295400"/>
-            <a:ext cx="8229600" cy="4525963"/>
-          </a:xfrm>
-        </p:spPr>
-        <p:txBody>
-          <a:bodyPr/>
-          <a:lstStyle/>
-          <a:p>
-            <a:pPr eaLnBrk="1" hangingPunct="1">
-              <a:lnSpc>
-                <a:spcPct val="90000"/>
-              </a:lnSpc>
-            </a:pPr>
+            <a:pPr eaLnBrk="1" hangingPunct="1"/>
             <a:r>
               <a:rPr lang="en-US">
                 <a:latin typeface="Arial" charset="0"/>
                 <a:ea typeface="ＭＳ Ｐゴシック" charset="0"/>
                 <a:cs typeface="ＭＳ Ｐゴシック" charset="0"/>
               </a:rPr>
-              <a:t>Very complicated</a:t>
-            </a:r>
-          </a:p>
-          <a:p>
-            <a:pPr eaLnBrk="1" hangingPunct="1">
-              <a:lnSpc>
-                <a:spcPct val="90000"/>
-              </a:lnSpc>
-            </a:pPr>
-            <a:r>
-              <a:rPr lang="en-US">
-                <a:latin typeface="Arial" charset="0"/>
-                <a:ea typeface="ＭＳ Ｐゴシック" charset="0"/>
-                <a:cs typeface="ＭＳ Ｐゴシック" charset="0"/>
-              </a:rPr>
-              <a:t>Number and type of larval stages varies considerably </a:t>
-            </a:r>
-          </a:p>
-          <a:p>
-            <a:pPr eaLnBrk="1" hangingPunct="1">
-              <a:lnSpc>
-                <a:spcPct val="90000"/>
-              </a:lnSpc>
-            </a:pPr>
-            <a:r>
-              <a:rPr lang="en-US">
-                <a:latin typeface="Arial" charset="0"/>
-                <a:ea typeface="ＭＳ Ｐゴシック" charset="0"/>
-                <a:cs typeface="ＭＳ Ｐゴシック" charset="0"/>
-              </a:rPr>
-              <a:t>Crustacean larvae may look nothing like their parents</a:t>
+              <a:t>A big day in 310</a:t>
             </a:r>
           </a:p>
         </p:txBody>
       </p:sp>
-      <p:sp>
-        <p:nvSpPr>
-          <p:cNvPr id="31746" name="Rectangle 4"/>
-          <p:cNvSpPr>
-            <a:spLocks noChangeArrowheads="1"/>
-          </p:cNvSpPr>
-          <p:nvPr/>
-        </p:nvSpPr>
-        <p:spPr bwMode="auto">
-          <a:xfrm>
-            <a:off x="457200" y="76200"/>
-            <a:ext cx="8229600" cy="1143000"/>
-          </a:xfrm>
-          <a:prstGeom prst="rect">
-            <a:avLst/>
-          </a:prstGeom>
-          <a:noFill/>
-          <a:ln>
-            <a:noFill/>
-          </a:ln>
-          <a:extLst>
-            <a:ext uri="{909E8E84-426E-40dd-AFC4-6F175D3DCCD1}">
-              <a14:hiddenFill xmlns:a14="http://schemas.microsoft.com/office/drawing/2010/main">
-                <a:solidFill>
-                  <a:srgbClr val="FFFFFF"/>
-                </a:solidFill>
-              </a14:hiddenFill>
-            </a:ext>
-            <a:ext uri="{91240B29-F687-4f45-9708-019B960494DF}">
-              <a14:hiddenLine xmlns:a14="http://schemas.microsoft.com/office/drawing/2010/main" w="9525">
-                <a:solidFill>
-                  <a:srgbClr val="000000"/>
-                </a:solidFill>
-                <a:miter lim="800000"/>
-                <a:headEnd/>
-                <a:tailEnd/>
-              </a14:hiddenLine>
-            </a:ext>
-          </a:extLst>
-        </p:spPr>
-        <p:txBody>
-          <a:bodyPr anchor="ctr"/>
-          <a:lstStyle/>
-          <a:p>
-            <a:pPr algn="ctr"/>
-            <a:r>
-              <a:rPr lang="en-US" sz="4400">
-                <a:solidFill>
-                  <a:schemeClr val="tx2"/>
-                </a:solidFill>
-              </a:rPr>
-              <a:t>Crustacean Development</a:t>
-            </a:r>
-          </a:p>
-        </p:txBody>
-      </p:sp>
-      <p:pic>
-        <p:nvPicPr>
-          <p:cNvPr id="31747" name="Picture 3" descr="Wonders of the Sea_ Crustaceans.jpg"/>
-          <p:cNvPicPr>
-            <a:picLocks noChangeAspect="1"/>
-          </p:cNvPicPr>
-          <p:nvPr/>
-        </p:nvPicPr>
-        <p:blipFill>
-          <a:blip r:embed="rId3">
-            <a:extLst>
-              <a:ext uri="{28A0092B-C50C-407E-A947-70E740481C1C}">
-                <a14:useLocalDpi xmlns:a14="http://schemas.microsoft.com/office/drawing/2010/main" val="0"/>
-              </a:ext>
-            </a:extLst>
-          </a:blip>
-          <a:srcRect/>
-          <a:stretch>
-            <a:fillRect/>
-          </a:stretch>
-        </p:blipFill>
-        <p:spPr bwMode="auto">
-          <a:xfrm>
-            <a:off x="1828800" y="3810000"/>
-            <a:ext cx="4953000" cy="2740025"/>
-          </a:xfrm>
-          <a:prstGeom prst="rect">
-            <a:avLst/>
-          </a:prstGeom>
-          <a:noFill/>
-          <a:ln>
-            <a:noFill/>
-          </a:ln>
-          <a:extLst>
-            <a:ext uri="{909E8E84-426E-40dd-AFC4-6F175D3DCCD1}">
-              <a14:hiddenFill xmlns:a14="http://schemas.microsoft.com/office/drawing/2010/main">
-                <a:solidFill>
-                  <a:srgbClr val="FFFFFF"/>
-                </a:solidFill>
-              </a14:hiddenFill>
-            </a:ext>
-            <a:ext uri="{91240B29-F687-4f45-9708-019B960494DF}">
-              <a14:hiddenLine xmlns:a14="http://schemas.microsoft.com/office/drawing/2010/main" w="9525">
-                <a:solidFill>
-                  <a:srgbClr val="000000"/>
-                </a:solidFill>
-                <a:miter lim="800000"/>
-                <a:headEnd/>
-                <a:tailEnd/>
-              </a14:hiddenLine>
-            </a:ext>
-          </a:extLst>
-        </p:spPr>
-      </p:pic>
     </p:spTree>
   </p:cSld>
   <p:clrMapOvr>
@@ -8666,14 +8510,14 @@
   <p:timing>
     <p:tnLst>
       <p:par>
-        <p:cTn xmlns:p14="http://schemas.microsoft.com/office/powerpoint/2010/main" id="1" dur="indefinite" restart="never" nodeType="tmRoot"/>
+        <p:cTn id="1" dur="indefinite" restart="never" nodeType="tmRoot"/>
       </p:par>
     </p:tnLst>
   </p:timing>
 </p:sld>
 </file>
 
-<file path=ppt/slides/slide11.xml><?xml version="1.0" encoding="utf-8"?>
+<file path=ppt/slides/slide10.xml><?xml version="1.0" encoding="utf-8"?>
 <p:sld xmlns:a="http://schemas.openxmlformats.org/drawingml/2006/main" xmlns:r="http://schemas.openxmlformats.org/officeDocument/2006/relationships" xmlns:p="http://schemas.openxmlformats.org/presentationml/2006/main">
   <p:cSld>
     <p:spTree>
@@ -8865,14 +8709,14 @@
           </a:ln>
           <a:extLst>
             <a:ext uri="{909E8E84-426E-40dd-AFC4-6F175D3DCCD1}">
-              <a14:hiddenFill xmlns:a14="http://schemas.microsoft.com/office/drawing/2010/main">
+              <a14:hiddenFill xmlns:a14="http://schemas.microsoft.com/office/drawing/2010/main" xmlns="">
                 <a:solidFill>
                   <a:srgbClr val="FFFFFF"/>
                 </a:solidFill>
               </a14:hiddenFill>
             </a:ext>
             <a:ext uri="{91240B29-F687-4f45-9708-019B960494DF}">
-              <a14:hiddenLine xmlns:a14="http://schemas.microsoft.com/office/drawing/2010/main" w="9525">
+              <a14:hiddenLine xmlns:a14="http://schemas.microsoft.com/office/drawing/2010/main" xmlns="" w="9525">
                 <a:solidFill>
                   <a:srgbClr val="000000"/>
                 </a:solidFill>
@@ -8906,14 +8750,14 @@
           </a:ln>
           <a:extLst>
             <a:ext uri="{909E8E84-426E-40dd-AFC4-6F175D3DCCD1}">
-              <a14:hiddenFill xmlns:a14="http://schemas.microsoft.com/office/drawing/2010/main">
+              <a14:hiddenFill xmlns:a14="http://schemas.microsoft.com/office/drawing/2010/main" xmlns="">
                 <a:solidFill>
                   <a:srgbClr val="FFFFFF"/>
                 </a:solidFill>
               </a14:hiddenFill>
             </a:ext>
             <a:ext uri="{91240B29-F687-4f45-9708-019B960494DF}">
-              <a14:hiddenLine xmlns:a14="http://schemas.microsoft.com/office/drawing/2010/main" w="9525">
+              <a14:hiddenLine xmlns:a14="http://schemas.microsoft.com/office/drawing/2010/main" xmlns="" w="9525">
                 <a:solidFill>
                   <a:srgbClr val="000000"/>
                 </a:solidFill>
@@ -9080,14 +8924,14 @@
           </a:ln>
           <a:extLst>
             <a:ext uri="{909E8E84-426E-40dd-AFC4-6F175D3DCCD1}">
-              <a14:hiddenFill xmlns:a14="http://schemas.microsoft.com/office/drawing/2010/main">
+              <a14:hiddenFill xmlns:a14="http://schemas.microsoft.com/office/drawing/2010/main" xmlns="">
                 <a:solidFill>
                   <a:srgbClr val="FFFFFF"/>
                 </a:solidFill>
               </a14:hiddenFill>
             </a:ext>
             <a:ext uri="{91240B29-F687-4f45-9708-019B960494DF}">
-              <a14:hiddenLine xmlns:a14="http://schemas.microsoft.com/office/drawing/2010/main" w="9525">
+              <a14:hiddenLine xmlns:a14="http://schemas.microsoft.com/office/drawing/2010/main" xmlns="" w="9525">
                 <a:solidFill>
                   <a:srgbClr val="000000"/>
                 </a:solidFill>
@@ -9121,14 +8965,14 @@
           </a:ln>
           <a:extLst>
             <a:ext uri="{909E8E84-426E-40dd-AFC4-6F175D3DCCD1}">
-              <a14:hiddenFill xmlns:a14="http://schemas.microsoft.com/office/drawing/2010/main">
+              <a14:hiddenFill xmlns:a14="http://schemas.microsoft.com/office/drawing/2010/main" xmlns="">
                 <a:solidFill>
                   <a:srgbClr val="FFFFFF"/>
                 </a:solidFill>
               </a14:hiddenFill>
             </a:ext>
             <a:ext uri="{91240B29-F687-4f45-9708-019B960494DF}">
-              <a14:hiddenLine xmlns:a14="http://schemas.microsoft.com/office/drawing/2010/main" w="9525">
+              <a14:hiddenLine xmlns:a14="http://schemas.microsoft.com/office/drawing/2010/main" xmlns="" w="9525">
                 <a:solidFill>
                   <a:srgbClr val="000000"/>
                 </a:solidFill>
@@ -9295,14 +9139,14 @@
           </a:ln>
           <a:extLst>
             <a:ext uri="{909E8E84-426E-40dd-AFC4-6F175D3DCCD1}">
-              <a14:hiddenFill xmlns:a14="http://schemas.microsoft.com/office/drawing/2010/main">
+              <a14:hiddenFill xmlns:a14="http://schemas.microsoft.com/office/drawing/2010/main" xmlns="">
                 <a:solidFill>
                   <a:srgbClr val="FFFFFF"/>
                 </a:solidFill>
               </a14:hiddenFill>
             </a:ext>
             <a:ext uri="{91240B29-F687-4f45-9708-019B960494DF}">
-              <a14:hiddenLine xmlns:a14="http://schemas.microsoft.com/office/drawing/2010/main" w="9525">
+              <a14:hiddenLine xmlns:a14="http://schemas.microsoft.com/office/drawing/2010/main" xmlns="" w="9525">
                 <a:solidFill>
                   <a:srgbClr val="000000"/>
                 </a:solidFill>
@@ -9336,14 +9180,14 @@
           </a:ln>
           <a:extLst>
             <a:ext uri="{909E8E84-426E-40dd-AFC4-6F175D3DCCD1}">
-              <a14:hiddenFill xmlns:a14="http://schemas.microsoft.com/office/drawing/2010/main">
+              <a14:hiddenFill xmlns:a14="http://schemas.microsoft.com/office/drawing/2010/main" xmlns="">
                 <a:solidFill>
                   <a:srgbClr val="FFFFFF"/>
                 </a:solidFill>
               </a14:hiddenFill>
             </a:ext>
             <a:ext uri="{91240B29-F687-4f45-9708-019B960494DF}">
-              <a14:hiddenLine xmlns:a14="http://schemas.microsoft.com/office/drawing/2010/main" w="9525">
+              <a14:hiddenLine xmlns:a14="http://schemas.microsoft.com/office/drawing/2010/main" xmlns="" w="9525">
                 <a:solidFill>
                   <a:srgbClr val="000000"/>
                 </a:solidFill>
@@ -9483,14 +9327,14 @@
   <p:timing>
     <p:tnLst>
       <p:par>
-        <p:cTn xmlns:p14="http://schemas.microsoft.com/office/powerpoint/2010/main" id="1" dur="indefinite" restart="never" nodeType="tmRoot"/>
+        <p:cTn id="1" dur="indefinite" restart="never" nodeType="tmRoot"/>
       </p:par>
     </p:tnLst>
   </p:timing>
 </p:sld>
 </file>
 
-<file path=ppt/slides/slide12.xml><?xml version="1.0" encoding="utf-8"?>
+<file path=ppt/slides/slide11.xml><?xml version="1.0" encoding="utf-8"?>
 <p:sld xmlns:a="http://schemas.openxmlformats.org/drawingml/2006/main" xmlns:r="http://schemas.openxmlformats.org/officeDocument/2006/relationships" xmlns:p="http://schemas.openxmlformats.org/presentationml/2006/main">
   <p:cSld>
     <p:spTree>
@@ -9670,14 +9514,14 @@
           </a:ln>
           <a:extLst>
             <a:ext uri="{909E8E84-426E-40dd-AFC4-6F175D3DCCD1}">
-              <a14:hiddenFill xmlns:a14="http://schemas.microsoft.com/office/drawing/2010/main">
+              <a14:hiddenFill xmlns:a14="http://schemas.microsoft.com/office/drawing/2010/main" xmlns="">
                 <a:solidFill>
                   <a:srgbClr val="FFFFFF"/>
                 </a:solidFill>
               </a14:hiddenFill>
             </a:ext>
             <a:ext uri="{91240B29-F687-4f45-9708-019B960494DF}">
-              <a14:hiddenLine xmlns:a14="http://schemas.microsoft.com/office/drawing/2010/main" w="9525">
+              <a14:hiddenLine xmlns:a14="http://schemas.microsoft.com/office/drawing/2010/main" xmlns="" w="9525">
                 <a:solidFill>
                   <a:srgbClr val="000000"/>
                 </a:solidFill>
@@ -9724,14 +9568,14 @@
           </a:ln>
           <a:extLst>
             <a:ext uri="{909E8E84-426E-40dd-AFC4-6F175D3DCCD1}">
-              <a14:hiddenFill xmlns:a14="http://schemas.microsoft.com/office/drawing/2010/main">
+              <a14:hiddenFill xmlns:a14="http://schemas.microsoft.com/office/drawing/2010/main" xmlns="">
                 <a:solidFill>
                   <a:srgbClr val="FFFFFF"/>
                 </a:solidFill>
               </a14:hiddenFill>
             </a:ext>
             <a:ext uri="{91240B29-F687-4f45-9708-019B960494DF}">
-              <a14:hiddenLine xmlns:a14="http://schemas.microsoft.com/office/drawing/2010/main" w="9525">
+              <a14:hiddenLine xmlns:a14="http://schemas.microsoft.com/office/drawing/2010/main" xmlns="" w="9525">
                 <a:solidFill>
                   <a:srgbClr val="000000"/>
                 </a:solidFill>
@@ -9765,14 +9609,14 @@
           </a:ln>
           <a:extLst>
             <a:ext uri="{909E8E84-426E-40dd-AFC4-6F175D3DCCD1}">
-              <a14:hiddenFill xmlns:a14="http://schemas.microsoft.com/office/drawing/2010/main">
+              <a14:hiddenFill xmlns:a14="http://schemas.microsoft.com/office/drawing/2010/main" xmlns="">
                 <a:solidFill>
                   <a:srgbClr val="FFFFFF"/>
                 </a:solidFill>
               </a14:hiddenFill>
             </a:ext>
             <a:ext uri="{91240B29-F687-4f45-9708-019B960494DF}">
-              <a14:hiddenLine xmlns:a14="http://schemas.microsoft.com/office/drawing/2010/main" w="9525">
+              <a14:hiddenLine xmlns:a14="http://schemas.microsoft.com/office/drawing/2010/main" xmlns="" w="9525">
                 <a:solidFill>
                   <a:srgbClr val="000000"/>
                 </a:solidFill>
@@ -9912,14 +9756,14 @@
   <p:timing>
     <p:tnLst>
       <p:par>
-        <p:cTn xmlns:p14="http://schemas.microsoft.com/office/powerpoint/2010/main" id="1" dur="indefinite" restart="never" nodeType="tmRoot"/>
+        <p:cTn id="1" dur="indefinite" restart="never" nodeType="tmRoot"/>
       </p:par>
     </p:tnLst>
   </p:timing>
 </p:sld>
 </file>
 
-<file path=ppt/slides/slide13.xml><?xml version="1.0" encoding="utf-8"?>
+<file path=ppt/slides/slide12.xml><?xml version="1.0" encoding="utf-8"?>
 <p:sld xmlns:a="http://schemas.openxmlformats.org/drawingml/2006/main" xmlns:r="http://schemas.openxmlformats.org/officeDocument/2006/relationships" xmlns:p="http://schemas.openxmlformats.org/presentationml/2006/main">
   <p:cSld>
     <p:spTree>
@@ -10112,14 +9956,14 @@
           </a:ln>
           <a:extLst>
             <a:ext uri="{909E8E84-426E-40dd-AFC4-6F175D3DCCD1}">
-              <a14:hiddenFill xmlns:a14="http://schemas.microsoft.com/office/drawing/2010/main">
+              <a14:hiddenFill xmlns:a14="http://schemas.microsoft.com/office/drawing/2010/main" xmlns="">
                 <a:solidFill>
                   <a:srgbClr val="FFFFFF"/>
                 </a:solidFill>
               </a14:hiddenFill>
             </a:ext>
             <a:ext uri="{91240B29-F687-4f45-9708-019B960494DF}">
-              <a14:hiddenLine xmlns:a14="http://schemas.microsoft.com/office/drawing/2010/main" w="9525">
+              <a14:hiddenLine xmlns:a14="http://schemas.microsoft.com/office/drawing/2010/main" xmlns="" w="9525">
                 <a:solidFill>
                   <a:srgbClr val="000000"/>
                 </a:solidFill>
@@ -10166,14 +10010,14 @@
           </a:ln>
           <a:extLst>
             <a:ext uri="{909E8E84-426E-40dd-AFC4-6F175D3DCCD1}">
-              <a14:hiddenFill xmlns:a14="http://schemas.microsoft.com/office/drawing/2010/main">
+              <a14:hiddenFill xmlns:a14="http://schemas.microsoft.com/office/drawing/2010/main" xmlns="">
                 <a:solidFill>
                   <a:srgbClr val="FFFFFF"/>
                 </a:solidFill>
               </a14:hiddenFill>
             </a:ext>
             <a:ext uri="{91240B29-F687-4f45-9708-019B960494DF}">
-              <a14:hiddenLine xmlns:a14="http://schemas.microsoft.com/office/drawing/2010/main" w="9525">
+              <a14:hiddenLine xmlns:a14="http://schemas.microsoft.com/office/drawing/2010/main" xmlns="" w="9525">
                 <a:solidFill>
                   <a:srgbClr val="000000"/>
                 </a:solidFill>
@@ -10220,14 +10064,14 @@
           </a:ln>
           <a:extLst>
             <a:ext uri="{909E8E84-426E-40dd-AFC4-6F175D3DCCD1}">
-              <a14:hiddenFill xmlns:a14="http://schemas.microsoft.com/office/drawing/2010/main">
+              <a14:hiddenFill xmlns:a14="http://schemas.microsoft.com/office/drawing/2010/main" xmlns="">
                 <a:solidFill>
                   <a:srgbClr val="FFFFFF"/>
                 </a:solidFill>
               </a14:hiddenFill>
             </a:ext>
             <a:ext uri="{91240B29-F687-4f45-9708-019B960494DF}">
-              <a14:hiddenLine xmlns:a14="http://schemas.microsoft.com/office/drawing/2010/main" w="9525">
+              <a14:hiddenLine xmlns:a14="http://schemas.microsoft.com/office/drawing/2010/main" xmlns="" w="9525">
                 <a:solidFill>
                   <a:srgbClr val="000000"/>
                 </a:solidFill>
@@ -10261,14 +10105,14 @@
           </a:ln>
           <a:extLst>
             <a:ext uri="{909E8E84-426E-40dd-AFC4-6F175D3DCCD1}">
-              <a14:hiddenFill xmlns:a14="http://schemas.microsoft.com/office/drawing/2010/main">
+              <a14:hiddenFill xmlns:a14="http://schemas.microsoft.com/office/drawing/2010/main" xmlns="">
                 <a:solidFill>
                   <a:srgbClr val="FFFFFF"/>
                 </a:solidFill>
               </a14:hiddenFill>
             </a:ext>
             <a:ext uri="{91240B29-F687-4f45-9708-019B960494DF}">
-              <a14:hiddenLine xmlns:a14="http://schemas.microsoft.com/office/drawing/2010/main" w="9525">
+              <a14:hiddenLine xmlns:a14="http://schemas.microsoft.com/office/drawing/2010/main" xmlns="" w="9525">
                 <a:solidFill>
                   <a:srgbClr val="000000"/>
                 </a:solidFill>
@@ -10422,14 +10266,14 @@
           </a:ln>
           <a:extLst>
             <a:ext uri="{909E8E84-426E-40dd-AFC4-6F175D3DCCD1}">
-              <a14:hiddenFill xmlns:a14="http://schemas.microsoft.com/office/drawing/2010/main">
+              <a14:hiddenFill xmlns:a14="http://schemas.microsoft.com/office/drawing/2010/main" xmlns="">
                 <a:solidFill>
                   <a:srgbClr val="FFFFFF"/>
                 </a:solidFill>
               </a14:hiddenFill>
             </a:ext>
             <a:ext uri="{91240B29-F687-4f45-9708-019B960494DF}">
-              <a14:hiddenLine xmlns:a14="http://schemas.microsoft.com/office/drawing/2010/main" w="9525">
+              <a14:hiddenLine xmlns:a14="http://schemas.microsoft.com/office/drawing/2010/main" xmlns="" w="9525">
                 <a:solidFill>
                   <a:srgbClr val="000000"/>
                 </a:solidFill>
@@ -10569,14 +10413,14 @@
   <p:timing>
     <p:tnLst>
       <p:par>
-        <p:cTn xmlns:p14="http://schemas.microsoft.com/office/powerpoint/2010/main" id="1" dur="indefinite" restart="never" nodeType="tmRoot"/>
+        <p:cTn id="1" dur="indefinite" restart="never" nodeType="tmRoot"/>
       </p:par>
     </p:tnLst>
   </p:timing>
 </p:sld>
 </file>
 
-<file path=ppt/slides/slide14.xml><?xml version="1.0" encoding="utf-8"?>
+<file path=ppt/slides/slide13.xml><?xml version="1.0" encoding="utf-8"?>
 <p:sld xmlns:a="http://schemas.openxmlformats.org/drawingml/2006/main" xmlns:r="http://schemas.openxmlformats.org/officeDocument/2006/relationships" xmlns:p="http://schemas.openxmlformats.org/presentationml/2006/main">
   <p:cSld>
     <p:spTree>
@@ -10733,14 +10577,14 @@
           </a:ln>
           <a:extLst>
             <a:ext uri="{909E8E84-426E-40dd-AFC4-6F175D3DCCD1}">
-              <a14:hiddenFill xmlns:a14="http://schemas.microsoft.com/office/drawing/2010/main">
+              <a14:hiddenFill xmlns:a14="http://schemas.microsoft.com/office/drawing/2010/main" xmlns="">
                 <a:solidFill>
                   <a:srgbClr val="FFFFFF"/>
                 </a:solidFill>
               </a14:hiddenFill>
             </a:ext>
             <a:ext uri="{91240B29-F687-4f45-9708-019B960494DF}">
-              <a14:hiddenLine xmlns:a14="http://schemas.microsoft.com/office/drawing/2010/main" w="9525">
+              <a14:hiddenLine xmlns:a14="http://schemas.microsoft.com/office/drawing/2010/main" xmlns="" w="9525">
                 <a:solidFill>
                   <a:srgbClr val="000000"/>
                 </a:solidFill>
@@ -10774,14 +10618,14 @@
           </a:ln>
           <a:extLst>
             <a:ext uri="{909E8E84-426E-40dd-AFC4-6F175D3DCCD1}">
-              <a14:hiddenFill xmlns:a14="http://schemas.microsoft.com/office/drawing/2010/main">
+              <a14:hiddenFill xmlns:a14="http://schemas.microsoft.com/office/drawing/2010/main" xmlns="">
                 <a:solidFill>
                   <a:srgbClr val="FFFFFF"/>
                 </a:solidFill>
               </a14:hiddenFill>
             </a:ext>
             <a:ext uri="{91240B29-F687-4f45-9708-019B960494DF}">
-              <a14:hiddenLine xmlns:a14="http://schemas.microsoft.com/office/drawing/2010/main" w="9525">
+              <a14:hiddenLine xmlns:a14="http://schemas.microsoft.com/office/drawing/2010/main" xmlns="" w="9525">
                 <a:solidFill>
                   <a:srgbClr val="000000"/>
                 </a:solidFill>
@@ -10948,14 +10792,14 @@
           </a:ln>
           <a:extLst>
             <a:ext uri="{909E8E84-426E-40dd-AFC4-6F175D3DCCD1}">
-              <a14:hiddenFill xmlns:a14="http://schemas.microsoft.com/office/drawing/2010/main">
+              <a14:hiddenFill xmlns:a14="http://schemas.microsoft.com/office/drawing/2010/main" xmlns="">
                 <a:solidFill>
                   <a:srgbClr val="FFFFFF"/>
                 </a:solidFill>
               </a14:hiddenFill>
             </a:ext>
             <a:ext uri="{91240B29-F687-4f45-9708-019B960494DF}">
-              <a14:hiddenLine xmlns:a14="http://schemas.microsoft.com/office/drawing/2010/main" w="9525">
+              <a14:hiddenLine xmlns:a14="http://schemas.microsoft.com/office/drawing/2010/main" xmlns="" w="9525">
                 <a:solidFill>
                   <a:srgbClr val="000000"/>
                 </a:solidFill>
@@ -10989,14 +10833,14 @@
           </a:ln>
           <a:extLst>
             <a:ext uri="{909E8E84-426E-40dd-AFC4-6F175D3DCCD1}">
-              <a14:hiddenFill xmlns:a14="http://schemas.microsoft.com/office/drawing/2010/main">
+              <a14:hiddenFill xmlns:a14="http://schemas.microsoft.com/office/drawing/2010/main" xmlns="">
                 <a:solidFill>
                   <a:srgbClr val="FFFFFF"/>
                 </a:solidFill>
               </a14:hiddenFill>
             </a:ext>
             <a:ext uri="{91240B29-F687-4f45-9708-019B960494DF}">
-              <a14:hiddenLine xmlns:a14="http://schemas.microsoft.com/office/drawing/2010/main" w="9525">
+              <a14:hiddenLine xmlns:a14="http://schemas.microsoft.com/office/drawing/2010/main" xmlns="" w="9525">
                 <a:solidFill>
                   <a:srgbClr val="000000"/>
                 </a:solidFill>
@@ -11136,14 +10980,14 @@
   <p:timing>
     <p:tnLst>
       <p:par>
-        <p:cTn xmlns:p14="http://schemas.microsoft.com/office/powerpoint/2010/main" id="1" dur="indefinite" restart="never" nodeType="tmRoot"/>
+        <p:cTn id="1" dur="indefinite" restart="never" nodeType="tmRoot"/>
       </p:par>
     </p:tnLst>
   </p:timing>
 </p:sld>
 </file>
 
-<file path=ppt/slides/slide15.xml><?xml version="1.0" encoding="utf-8"?>
+<file path=ppt/slides/slide14.xml><?xml version="1.0" encoding="utf-8"?>
 <p:sld xmlns:a="http://schemas.openxmlformats.org/drawingml/2006/main" xmlns:r="http://schemas.openxmlformats.org/officeDocument/2006/relationships" xmlns:p="http://schemas.openxmlformats.org/presentationml/2006/main">
   <p:cSld>
     <p:spTree>
@@ -11433,14 +11277,14 @@
           </a:ln>
           <a:extLst>
             <a:ext uri="{909E8E84-426E-40dd-AFC4-6F175D3DCCD1}">
-              <a14:hiddenFill xmlns:a14="http://schemas.microsoft.com/office/drawing/2010/main">
+              <a14:hiddenFill xmlns:a14="http://schemas.microsoft.com/office/drawing/2010/main" xmlns="">
                 <a:solidFill>
                   <a:srgbClr val="FFFFFF"/>
                 </a:solidFill>
               </a14:hiddenFill>
             </a:ext>
             <a:ext uri="{91240B29-F687-4f45-9708-019B960494DF}">
-              <a14:hiddenLine xmlns:a14="http://schemas.microsoft.com/office/drawing/2010/main" w="9525">
+              <a14:hiddenLine xmlns:a14="http://schemas.microsoft.com/office/drawing/2010/main" xmlns="" w="9525">
                 <a:solidFill>
                   <a:srgbClr val="000000"/>
                 </a:solidFill>
@@ -11487,14 +11331,14 @@
           </a:ln>
           <a:extLst>
             <a:ext uri="{909E8E84-426E-40dd-AFC4-6F175D3DCCD1}">
-              <a14:hiddenFill xmlns:a14="http://schemas.microsoft.com/office/drawing/2010/main">
+              <a14:hiddenFill xmlns:a14="http://schemas.microsoft.com/office/drawing/2010/main" xmlns="">
                 <a:solidFill>
                   <a:srgbClr val="FFFFFF"/>
                 </a:solidFill>
               </a14:hiddenFill>
             </a:ext>
             <a:ext uri="{91240B29-F687-4f45-9708-019B960494DF}">
-              <a14:hiddenLine xmlns:a14="http://schemas.microsoft.com/office/drawing/2010/main" w="9525">
+              <a14:hiddenLine xmlns:a14="http://schemas.microsoft.com/office/drawing/2010/main" xmlns="" w="9525">
                 <a:solidFill>
                   <a:srgbClr val="000000"/>
                 </a:solidFill>
@@ -11541,14 +11385,14 @@
           </a:ln>
           <a:extLst>
             <a:ext uri="{909E8E84-426E-40dd-AFC4-6F175D3DCCD1}">
-              <a14:hiddenFill xmlns:a14="http://schemas.microsoft.com/office/drawing/2010/main">
+              <a14:hiddenFill xmlns:a14="http://schemas.microsoft.com/office/drawing/2010/main" xmlns="">
                 <a:solidFill>
                   <a:srgbClr val="FFFFFF"/>
                 </a:solidFill>
               </a14:hiddenFill>
             </a:ext>
             <a:ext uri="{91240B29-F687-4f45-9708-019B960494DF}">
-              <a14:hiddenLine xmlns:a14="http://schemas.microsoft.com/office/drawing/2010/main" w="9525">
+              <a14:hiddenLine xmlns:a14="http://schemas.microsoft.com/office/drawing/2010/main" xmlns="" w="9525">
                 <a:solidFill>
                   <a:srgbClr val="000000"/>
                 </a:solidFill>
@@ -11595,14 +11439,14 @@
           </a:ln>
           <a:extLst>
             <a:ext uri="{909E8E84-426E-40dd-AFC4-6F175D3DCCD1}">
-              <a14:hiddenFill xmlns:a14="http://schemas.microsoft.com/office/drawing/2010/main">
+              <a14:hiddenFill xmlns:a14="http://schemas.microsoft.com/office/drawing/2010/main" xmlns="">
                 <a:solidFill>
                   <a:srgbClr val="FFFFFF"/>
                 </a:solidFill>
               </a14:hiddenFill>
             </a:ext>
             <a:ext uri="{91240B29-F687-4f45-9708-019B960494DF}">
-              <a14:hiddenLine xmlns:a14="http://schemas.microsoft.com/office/drawing/2010/main" w="9525">
+              <a14:hiddenLine xmlns:a14="http://schemas.microsoft.com/office/drawing/2010/main" xmlns="" w="9525">
                 <a:solidFill>
                   <a:srgbClr val="000000"/>
                 </a:solidFill>
@@ -11622,14 +11466,14 @@
   <p:timing>
     <p:tnLst>
       <p:par>
-        <p:cTn xmlns:p14="http://schemas.microsoft.com/office/powerpoint/2010/main" id="1" dur="indefinite" restart="never" nodeType="tmRoot"/>
+        <p:cTn id="1" dur="indefinite" restart="never" nodeType="tmRoot"/>
       </p:par>
     </p:tnLst>
   </p:timing>
 </p:sld>
 </file>
 
-<file path=ppt/slides/slide16.xml><?xml version="1.0" encoding="utf-8"?>
+<file path=ppt/slides/slide15.xml><?xml version="1.0" encoding="utf-8"?>
 <p:sld xmlns:a="http://schemas.openxmlformats.org/drawingml/2006/main" xmlns:r="http://schemas.openxmlformats.org/officeDocument/2006/relationships" xmlns:p="http://schemas.openxmlformats.org/presentationml/2006/main">
   <p:cSld>
     <p:spTree>
@@ -11902,14 +11746,14 @@
           </a:ln>
           <a:extLst>
             <a:ext uri="{909E8E84-426E-40dd-AFC4-6F175D3DCCD1}">
-              <a14:hiddenFill xmlns:a14="http://schemas.microsoft.com/office/drawing/2010/main">
+              <a14:hiddenFill xmlns:a14="http://schemas.microsoft.com/office/drawing/2010/main" xmlns="">
                 <a:solidFill>
                   <a:srgbClr val="FFFFFF"/>
                 </a:solidFill>
               </a14:hiddenFill>
             </a:ext>
             <a:ext uri="{91240B29-F687-4f45-9708-019B960494DF}">
-              <a14:hiddenLine xmlns:a14="http://schemas.microsoft.com/office/drawing/2010/main" w="9525">
+              <a14:hiddenLine xmlns:a14="http://schemas.microsoft.com/office/drawing/2010/main" xmlns="" w="9525">
                 <a:solidFill>
                   <a:srgbClr val="000000"/>
                 </a:solidFill>
@@ -11929,7 +11773,183 @@
   <p:timing>
     <p:tnLst>
       <p:par>
-        <p:cTn xmlns:p14="http://schemas.microsoft.com/office/powerpoint/2010/main" id="1" dur="indefinite" restart="never" nodeType="tmRoot"/>
+        <p:cTn id="1" dur="indefinite" restart="never" nodeType="tmRoot"/>
+      </p:par>
+    </p:tnLst>
+  </p:timing>
+</p:sld>
+</file>
+
+<file path=ppt/slides/slide16.xml><?xml version="1.0" encoding="utf-8"?>
+<p:sld xmlns:a="http://schemas.openxmlformats.org/drawingml/2006/main" xmlns:r="http://schemas.openxmlformats.org/officeDocument/2006/relationships" xmlns:p="http://schemas.openxmlformats.org/presentationml/2006/main">
+  <p:cSld>
+    <p:spTree>
+      <p:nvGrpSpPr>
+        <p:cNvPr id="1" name=""/>
+        <p:cNvGrpSpPr/>
+        <p:nvPr/>
+      </p:nvGrpSpPr>
+      <p:grpSpPr>
+        <a:xfrm>
+          <a:off x="0" y="0"/>
+          <a:ext cx="0" cy="0"/>
+          <a:chOff x="0" y="0"/>
+          <a:chExt cx="0" cy="0"/>
+        </a:xfrm>
+      </p:grpSpPr>
+      <p:sp>
+        <p:nvSpPr>
+          <p:cNvPr id="46081" name="Rectangle 2"/>
+          <p:cNvSpPr>
+            <a:spLocks noGrp="1" noChangeArrowheads="1"/>
+          </p:cNvSpPr>
+          <p:nvPr>
+            <p:ph type="title"/>
+          </p:nvPr>
+        </p:nvSpPr>
+        <p:spPr>
+          <a:xfrm>
+            <a:off x="457200" y="76200"/>
+            <a:ext cx="8229600" cy="1143000"/>
+          </a:xfrm>
+        </p:spPr>
+        <p:txBody>
+          <a:bodyPr/>
+          <a:lstStyle/>
+          <a:p>
+            <a:pPr eaLnBrk="1" hangingPunct="1"/>
+            <a:r>
+              <a:rPr lang="en-US" sz="3600">
+                <a:latin typeface="Arial" charset="0"/>
+                <a:ea typeface="ＭＳ Ｐゴシック" charset="0"/>
+                <a:cs typeface="ＭＳ Ｐゴシック" charset="0"/>
+              </a:rPr>
+              <a:t>Taxonomy: Shrimp and Shrimpy Taxa</a:t>
+            </a:r>
+          </a:p>
+        </p:txBody>
+      </p:sp>
+      <p:sp>
+        <p:nvSpPr>
+          <p:cNvPr id="46082" name="Rectangle 3"/>
+          <p:cNvSpPr>
+            <a:spLocks noGrp="1" noChangeArrowheads="1"/>
+          </p:cNvSpPr>
+          <p:nvPr>
+            <p:ph type="body" idx="1"/>
+          </p:nvPr>
+        </p:nvSpPr>
+        <p:spPr>
+          <a:xfrm>
+            <a:off x="381000" y="1066800"/>
+            <a:ext cx="8229600" cy="4525963"/>
+          </a:xfrm>
+        </p:spPr>
+        <p:txBody>
+          <a:bodyPr/>
+          <a:lstStyle/>
+          <a:p>
+            <a:pPr eaLnBrk="1" hangingPunct="1"/>
+            <a:r>
+              <a:rPr lang="en-US" sz="2800" dirty="0">
+                <a:latin typeface="Arial" charset="0"/>
+                <a:ea typeface="ＭＳ Ｐゴシック" charset="0"/>
+                <a:cs typeface="ＭＳ Ｐゴシック" charset="0"/>
+              </a:rPr>
+              <a:t>The term shrimp has been used for any crustacean that </a:t>
+            </a:r>
+            <a:r>
+              <a:rPr lang="en-US" sz="2800" dirty="0" err="1">
+                <a:latin typeface="Arial" charset="0"/>
+                <a:ea typeface="ＭＳ Ｐゴシック" charset="0"/>
+                <a:cs typeface="ＭＳ Ｐゴシック" charset="0"/>
+              </a:rPr>
+              <a:t>doesn</a:t>
+            </a:r>
+            <a:r>
+              <a:rPr lang="ja-JP" altLang="en-US" sz="2800" dirty="0">
+                <a:latin typeface="Arial" charset="0"/>
+                <a:ea typeface="ＭＳ Ｐゴシック" charset="0"/>
+                <a:cs typeface="ＭＳ Ｐゴシック" charset="0"/>
+              </a:rPr>
+              <a:t>’</a:t>
+            </a:r>
+            <a:r>
+              <a:rPr lang="en-US" altLang="ja-JP" sz="2800" dirty="0">
+                <a:latin typeface="Arial" charset="0"/>
+                <a:ea typeface="ＭＳ Ｐゴシック" charset="0"/>
+                <a:cs typeface="ＭＳ Ｐゴシック" charset="0"/>
+              </a:rPr>
+              <a:t>t look like a crab, lobster or barnacle (i.e. brine shrimp)</a:t>
+            </a:r>
+          </a:p>
+          <a:p>
+            <a:pPr eaLnBrk="1" hangingPunct="1"/>
+            <a:r>
+              <a:rPr lang="en-US" sz="2800" dirty="0">
+                <a:latin typeface="Arial" charset="0"/>
+                <a:ea typeface="ＭＳ Ｐゴシック" charset="0"/>
+                <a:cs typeface="ＭＳ Ｐゴシック" charset="0"/>
+              </a:rPr>
+              <a:t>You will learn to identify true shrimp (</a:t>
+            </a:r>
+            <a:r>
+              <a:rPr lang="en-US" sz="2800" dirty="0" err="1">
+                <a:latin typeface="Arial" charset="0"/>
+                <a:ea typeface="ＭＳ Ｐゴシック" charset="0"/>
+                <a:cs typeface="ＭＳ Ｐゴシック" charset="0"/>
+              </a:rPr>
+              <a:t>Caridea</a:t>
+            </a:r>
+            <a:r>
+              <a:rPr lang="en-US" sz="2800" dirty="0">
+                <a:latin typeface="Arial" charset="0"/>
+                <a:ea typeface="ＭＳ Ｐゴシック" charset="0"/>
+                <a:cs typeface="ＭＳ Ｐゴシック" charset="0"/>
+              </a:rPr>
+              <a:t>) from all other </a:t>
+            </a:r>
+            <a:r>
+              <a:rPr lang="ja-JP" altLang="en-US" sz="2800" dirty="0">
+                <a:latin typeface="Arial" charset="0"/>
+                <a:ea typeface="ＭＳ Ｐゴシック" charset="0"/>
+                <a:cs typeface="ＭＳ Ｐゴシック" charset="0"/>
+              </a:rPr>
+              <a:t>“</a:t>
+            </a:r>
+            <a:r>
+              <a:rPr lang="en-US" altLang="ja-JP" sz="2800" dirty="0">
+                <a:latin typeface="Arial" charset="0"/>
+                <a:ea typeface="ＭＳ Ｐゴシック" charset="0"/>
+                <a:cs typeface="ＭＳ Ｐゴシック" charset="0"/>
+              </a:rPr>
+              <a:t>shrimp</a:t>
+            </a:r>
+            <a:r>
+              <a:rPr lang="ja-JP" altLang="en-US" sz="2800" dirty="0" smtClean="0">
+                <a:latin typeface="Arial" charset="0"/>
+                <a:ea typeface="ＭＳ Ｐゴシック" charset="0"/>
+                <a:cs typeface="ＭＳ Ｐゴシック" charset="0"/>
+              </a:rPr>
+              <a:t>”</a:t>
+            </a:r>
+            <a:endParaRPr lang="en-US" altLang="ja-JP" sz="2800" dirty="0">
+              <a:latin typeface="Arial" charset="0"/>
+              <a:ea typeface="ＭＳ Ｐゴシック" charset="0"/>
+              <a:cs typeface="ＭＳ Ｐゴシック" charset="0"/>
+            </a:endParaRPr>
+          </a:p>
+        </p:txBody>
+      </p:sp>
+    </p:spTree>
+  </p:cSld>
+  <p:clrMapOvr>
+    <a:masterClrMapping/>
+  </p:clrMapOvr>
+  <p:timing>
+    <p:tnLst>
+      <p:par>
+        <p:cTn id="1" dur="indefinite" restart="never" nodeType="tmRoot"/>
       </p:par>
     </p:tnLst>
   </p:timing>
@@ -11955,7 +11975,7 @@
       </p:grpSpPr>
       <p:sp>
         <p:nvSpPr>
-          <p:cNvPr id="46081" name="Rectangle 2"/>
+          <p:cNvPr id="48129" name="Rectangle 2"/>
           <p:cNvSpPr>
             <a:spLocks noGrp="1" noChangeArrowheads="1"/>
           </p:cNvSpPr>
@@ -11963,31 +11983,26 @@
             <p:ph type="title"/>
           </p:nvPr>
         </p:nvSpPr>
-        <p:spPr>
-          <a:xfrm>
-            <a:off x="457200" y="76200"/>
-            <a:ext cx="8229600" cy="1143000"/>
-          </a:xfrm>
-        </p:spPr>
+        <p:spPr/>
         <p:txBody>
           <a:bodyPr/>
           <a:lstStyle/>
           <a:p>
             <a:pPr eaLnBrk="1" hangingPunct="1"/>
             <a:r>
-              <a:rPr lang="en-US" sz="3600">
+              <a:rPr lang="en-US">
                 <a:latin typeface="Arial" charset="0"/>
                 <a:ea typeface="ＭＳ Ｐゴシック" charset="0"/>
                 <a:cs typeface="ＭＳ Ｐゴシック" charset="0"/>
               </a:rPr>
-              <a:t>Taxonomy: Shrimp and Shrimpy Taxa</a:t>
+              <a:t>What we are doing today:</a:t>
             </a:r>
           </a:p>
         </p:txBody>
       </p:sp>
       <p:sp>
         <p:nvSpPr>
-          <p:cNvPr id="46082" name="Rectangle 3"/>
+          <p:cNvPr id="48130" name="Rectangle 3"/>
           <p:cNvSpPr>
             <a:spLocks noGrp="1" noChangeArrowheads="1"/>
           </p:cNvSpPr>
@@ -11995,27 +12010,22 @@
             <p:ph type="body" idx="1"/>
           </p:nvPr>
         </p:nvSpPr>
-        <p:spPr>
-          <a:xfrm>
-            <a:off x="381000" y="1066800"/>
-            <a:ext cx="8229600" cy="4525963"/>
-          </a:xfrm>
-        </p:spPr>
+        <p:spPr/>
         <p:txBody>
           <a:bodyPr/>
           <a:lstStyle/>
           <a:p>
             <a:pPr eaLnBrk="1" hangingPunct="1"/>
             <a:r>
-              <a:rPr lang="en-US" sz="2800">
+              <a:rPr lang="en-US">
                 <a:latin typeface="Arial" charset="0"/>
                 <a:ea typeface="ＭＳ Ｐゴシック" charset="0"/>
                 <a:cs typeface="ＭＳ Ｐゴシック" charset="0"/>
               </a:rPr>
-              <a:t>The term shrimp has been used for any crustacean that doesn</a:t>
-            </a:r>
-            <a:r>
-              <a:rPr lang="ja-JP" altLang="en-US" sz="2800">
+              <a:t>We</a:t>
+            </a:r>
+            <a:r>
+              <a:rPr lang="ja-JP" altLang="en-US">
                 <a:latin typeface="Arial" charset="0"/>
                 <a:ea typeface="ＭＳ Ｐゴシック" charset="0"/>
                 <a:cs typeface="ＭＳ Ｐゴシック" charset="0"/>
@@ -12023,137 +12033,82 @@
               <a:t>’</a:t>
             </a:r>
             <a:r>
-              <a:rPr lang="en-US" altLang="ja-JP" sz="2800">
+              <a:rPr lang="en-US" altLang="ja-JP">
                 <a:latin typeface="Arial" charset="0"/>
                 <a:ea typeface="ＭＳ Ｐゴシック" charset="0"/>
                 <a:cs typeface="ＭＳ Ｐゴシック" charset="0"/>
               </a:rPr>
-              <a:t>t look like a crab, lobster or barnacle (i.e. brine shrimp)</a:t>
-            </a:r>
-          </a:p>
-          <a:p>
-            <a:pPr eaLnBrk="1" hangingPunct="1"/>
-            <a:r>
-              <a:rPr lang="en-US" sz="2800">
+              <a:t>re looking at </a:t>
+            </a:r>
+            <a:r>
+              <a:rPr lang="en-US" altLang="ja-JP" u="sng">
                 <a:latin typeface="Arial" charset="0"/>
                 <a:ea typeface="ＭＳ Ｐゴシック" charset="0"/>
                 <a:cs typeface="ＭＳ Ｐゴシック" charset="0"/>
               </a:rPr>
-              <a:t>You will learn to identify true shrimp (Caridea) from all other </a:t>
-            </a:r>
-            <a:r>
-              <a:rPr lang="ja-JP" altLang="en-US" sz="2800">
+              <a:t>lots</a:t>
+            </a:r>
+            <a:r>
+              <a:rPr lang="en-US" altLang="ja-JP">
                 <a:latin typeface="Arial" charset="0"/>
                 <a:ea typeface="ＭＳ Ｐゴシック" charset="0"/>
                 <a:cs typeface="ＭＳ Ｐゴシック" charset="0"/>
               </a:rPr>
-              <a:t>“</a:t>
-            </a:r>
-            <a:r>
-              <a:rPr lang="en-US" altLang="ja-JP" sz="2800">
+              <a:t> of different organisms, mostly under the scopes</a:t>
+            </a:r>
+          </a:p>
+          <a:p>
+            <a:pPr eaLnBrk="1" hangingPunct="1"/>
+            <a:r>
+              <a:rPr lang="en-US">
                 <a:latin typeface="Arial" charset="0"/>
                 <a:ea typeface="ＭＳ Ｐゴシック" charset="0"/>
                 <a:cs typeface="ＭＳ Ｐゴシック" charset="0"/>
               </a:rPr>
-              <a:t>shrimp</a:t>
-            </a:r>
-            <a:r>
-              <a:rPr lang="ja-JP" altLang="en-US" sz="2800">
+              <a:t>Have fun and ask lots of questions!!</a:t>
+            </a:r>
+          </a:p>
+          <a:p>
+            <a:pPr eaLnBrk="1" hangingPunct="1"/>
+            <a:r>
+              <a:rPr lang="en-US">
                 <a:latin typeface="Arial" charset="0"/>
                 <a:ea typeface="ＭＳ Ｐゴシック" charset="0"/>
                 <a:cs typeface="ＭＳ Ｐゴシック" charset="0"/>
               </a:rPr>
-              <a:t>”</a:t>
-            </a:r>
-            <a:endParaRPr lang="en-US" altLang="ja-JP" sz="2800">
+              <a:t>What not to do:</a:t>
+            </a:r>
+          </a:p>
+          <a:p>
+            <a:pPr lvl="1" eaLnBrk="1" hangingPunct="1"/>
+            <a:r>
+              <a:rPr lang="en-US">
+                <a:latin typeface="Arial" charset="0"/>
+                <a:ea typeface="ＭＳ Ｐゴシック" charset="0"/>
+              </a:rPr>
+              <a:t>mix fresh and saltwater samples together</a:t>
+            </a:r>
+          </a:p>
+          <a:p>
+            <a:pPr lvl="1" eaLnBrk="1" hangingPunct="1"/>
+            <a:r>
+              <a:rPr lang="en-US">
+                <a:latin typeface="Arial" charset="0"/>
+                <a:ea typeface="ＭＳ Ｐゴシック" charset="0"/>
+              </a:rPr>
+              <a:t>mix live and preserved dishes or pipettes</a:t>
+            </a:r>
+          </a:p>
+          <a:p>
+            <a:pPr eaLnBrk="1" hangingPunct="1"/>
+            <a:endParaRPr lang="en-US">
               <a:latin typeface="Arial" charset="0"/>
               <a:ea typeface="ＭＳ Ｐゴシック" charset="0"/>
               <a:cs typeface="ＭＳ Ｐゴシック" charset="0"/>
             </a:endParaRPr>
           </a:p>
-          <a:p>
-            <a:pPr eaLnBrk="1" hangingPunct="1"/>
-            <a:r>
-              <a:rPr lang="en-US" sz="2800">
-                <a:latin typeface="Arial" charset="0"/>
-                <a:ea typeface="ＭＳ Ｐゴシック" charset="0"/>
-                <a:cs typeface="ＭＳ Ｐゴシック" charset="0"/>
-              </a:rPr>
-              <a:t>You will look at coloration, feeding and behavior in a </a:t>
-            </a:r>
-            <a:r>
-              <a:rPr lang="en-US" sz="2800" i="1">
-                <a:latin typeface="Arial" charset="0"/>
-                <a:ea typeface="ＭＳ Ｐゴシック" charset="0"/>
-                <a:cs typeface="ＭＳ Ｐゴシック" charset="0"/>
-              </a:rPr>
-              <a:t>Crangon</a:t>
-            </a:r>
-            <a:r>
-              <a:rPr lang="en-US" sz="2800">
-                <a:latin typeface="Arial" charset="0"/>
-                <a:ea typeface="ＭＳ Ｐゴシック" charset="0"/>
-                <a:cs typeface="ＭＳ Ｐゴシック" charset="0"/>
-              </a:rPr>
-              <a:t>—a true shrimp</a:t>
-            </a:r>
-          </a:p>
         </p:txBody>
       </p:sp>
-      <p:pic>
-        <p:nvPicPr>
-          <p:cNvPr id="46083" name="Picture 4"/>
-          <p:cNvPicPr>
-            <a:picLocks noChangeAspect="1" noChangeArrowheads="1"/>
-          </p:cNvPicPr>
-          <p:nvPr/>
-        </p:nvPicPr>
-        <p:blipFill>
-          <a:blip r:embed="rId3">
-            <a:extLst>
-              <a:ext uri="{28A0092B-C50C-407E-A947-70E740481C1C}">
-                <a14:useLocalDpi xmlns:a14="http://schemas.microsoft.com/office/drawing/2010/main" val="0"/>
-              </a:ext>
-            </a:extLst>
-          </a:blip>
-          <a:srcRect t="17999" b="23334"/>
-          <a:stretch>
-            <a:fillRect/>
-          </a:stretch>
-        </p:blipFill>
-        <p:spPr bwMode="auto">
-          <a:xfrm>
-            <a:off x="1828800" y="4376738"/>
-            <a:ext cx="5638800" cy="2481262"/>
-          </a:xfrm>
-          <a:prstGeom prst="rect">
-            <a:avLst/>
-          </a:prstGeom>
-          <a:noFill/>
-          <a:ln>
-            <a:noFill/>
-          </a:ln>
-          <a:extLst>
-            <a:ext uri="{909E8E84-426E-40dd-AFC4-6F175D3DCCD1}">
-              <a14:hiddenFill xmlns:a14="http://schemas.microsoft.com/office/drawing/2010/main">
-                <a:solidFill>
-                  <a:srgbClr val="FFFFFF"/>
-                </a:solidFill>
-              </a14:hiddenFill>
-            </a:ext>
-            <a:ext uri="{91240B29-F687-4f45-9708-019B960494DF}">
-              <a14:hiddenLine xmlns:a14="http://schemas.microsoft.com/office/drawing/2010/main" w="9525">
-                <a:solidFill>
-                  <a:srgbClr val="000000"/>
-                </a:solidFill>
-                <a:miter lim="800000"/>
-                <a:headEnd/>
-                <a:tailEnd/>
-              </a14:hiddenLine>
-            </a:ext>
-          </a:extLst>
-        </p:spPr>
-      </p:pic>
     </p:spTree>
   </p:cSld>
   <p:clrMapOvr>
@@ -12162,175 +12117,7 @@
   <p:timing>
     <p:tnLst>
       <p:par>
-        <p:cTn xmlns:p14="http://schemas.microsoft.com/office/powerpoint/2010/main" id="1" dur="indefinite" restart="never" nodeType="tmRoot"/>
-      </p:par>
-    </p:tnLst>
-  </p:timing>
-</p:sld>
-</file>
-
-<file path=ppt/slides/slide18.xml><?xml version="1.0" encoding="utf-8"?>
-<p:sld xmlns:a="http://schemas.openxmlformats.org/drawingml/2006/main" xmlns:r="http://schemas.openxmlformats.org/officeDocument/2006/relationships" xmlns:p="http://schemas.openxmlformats.org/presentationml/2006/main">
-  <p:cSld>
-    <p:spTree>
-      <p:nvGrpSpPr>
-        <p:cNvPr id="1" name=""/>
-        <p:cNvGrpSpPr/>
-        <p:nvPr/>
-      </p:nvGrpSpPr>
-      <p:grpSpPr>
-        <a:xfrm>
-          <a:off x="0" y="0"/>
-          <a:ext cx="0" cy="0"/>
-          <a:chOff x="0" y="0"/>
-          <a:chExt cx="0" cy="0"/>
-        </a:xfrm>
-      </p:grpSpPr>
-      <p:sp>
-        <p:nvSpPr>
-          <p:cNvPr id="48129" name="Rectangle 2"/>
-          <p:cNvSpPr>
-            <a:spLocks noGrp="1" noChangeArrowheads="1"/>
-          </p:cNvSpPr>
-          <p:nvPr>
-            <p:ph type="title"/>
-          </p:nvPr>
-        </p:nvSpPr>
-        <p:spPr/>
-        <p:txBody>
-          <a:bodyPr/>
-          <a:lstStyle/>
-          <a:p>
-            <a:pPr eaLnBrk="1" hangingPunct="1"/>
-            <a:r>
-              <a:rPr lang="en-US">
-                <a:latin typeface="Arial" charset="0"/>
-                <a:ea typeface="ＭＳ Ｐゴシック" charset="0"/>
-                <a:cs typeface="ＭＳ Ｐゴシック" charset="0"/>
-              </a:rPr>
-              <a:t>What we are doing today:</a:t>
-            </a:r>
-          </a:p>
-        </p:txBody>
-      </p:sp>
-      <p:sp>
-        <p:nvSpPr>
-          <p:cNvPr id="48130" name="Rectangle 3"/>
-          <p:cNvSpPr>
-            <a:spLocks noGrp="1" noChangeArrowheads="1"/>
-          </p:cNvSpPr>
-          <p:nvPr>
-            <p:ph type="body" idx="1"/>
-          </p:nvPr>
-        </p:nvSpPr>
-        <p:spPr/>
-        <p:txBody>
-          <a:bodyPr/>
-          <a:lstStyle/>
-          <a:p>
-            <a:pPr eaLnBrk="1" hangingPunct="1"/>
-            <a:r>
-              <a:rPr lang="en-US">
-                <a:latin typeface="Arial" charset="0"/>
-                <a:ea typeface="ＭＳ Ｐゴシック" charset="0"/>
-                <a:cs typeface="ＭＳ Ｐゴシック" charset="0"/>
-              </a:rPr>
-              <a:t>We</a:t>
-            </a:r>
-            <a:r>
-              <a:rPr lang="ja-JP" altLang="en-US">
-                <a:latin typeface="Arial" charset="0"/>
-                <a:ea typeface="ＭＳ Ｐゴシック" charset="0"/>
-                <a:cs typeface="ＭＳ Ｐゴシック" charset="0"/>
-              </a:rPr>
-              <a:t>’</a:t>
-            </a:r>
-            <a:r>
-              <a:rPr lang="en-US" altLang="ja-JP">
-                <a:latin typeface="Arial" charset="0"/>
-                <a:ea typeface="ＭＳ Ｐゴシック" charset="0"/>
-                <a:cs typeface="ＭＳ Ｐゴシック" charset="0"/>
-              </a:rPr>
-              <a:t>re looking at </a:t>
-            </a:r>
-            <a:r>
-              <a:rPr lang="en-US" altLang="ja-JP" u="sng">
-                <a:latin typeface="Arial" charset="0"/>
-                <a:ea typeface="ＭＳ Ｐゴシック" charset="0"/>
-                <a:cs typeface="ＭＳ Ｐゴシック" charset="0"/>
-              </a:rPr>
-              <a:t>lots</a:t>
-            </a:r>
-            <a:r>
-              <a:rPr lang="en-US" altLang="ja-JP">
-                <a:latin typeface="Arial" charset="0"/>
-                <a:ea typeface="ＭＳ Ｐゴシック" charset="0"/>
-                <a:cs typeface="ＭＳ Ｐゴシック" charset="0"/>
-              </a:rPr>
-              <a:t> of different organisms, mostly under the scopes</a:t>
-            </a:r>
-          </a:p>
-          <a:p>
-            <a:pPr eaLnBrk="1" hangingPunct="1"/>
-            <a:r>
-              <a:rPr lang="en-US">
-                <a:latin typeface="Arial" charset="0"/>
-                <a:ea typeface="ＭＳ Ｐゴシック" charset="0"/>
-                <a:cs typeface="ＭＳ Ｐゴシック" charset="0"/>
-              </a:rPr>
-              <a:t>Have fun and ask lots of questions!!</a:t>
-            </a:r>
-          </a:p>
-          <a:p>
-            <a:pPr eaLnBrk="1" hangingPunct="1"/>
-            <a:r>
-              <a:rPr lang="en-US">
-                <a:latin typeface="Arial" charset="0"/>
-                <a:ea typeface="ＭＳ Ｐゴシック" charset="0"/>
-                <a:cs typeface="ＭＳ Ｐゴシック" charset="0"/>
-              </a:rPr>
-              <a:t>What not to do:</a:t>
-            </a:r>
-          </a:p>
-          <a:p>
-            <a:pPr lvl="1" eaLnBrk="1" hangingPunct="1"/>
-            <a:r>
-              <a:rPr lang="en-US">
-                <a:latin typeface="Arial" charset="0"/>
-                <a:ea typeface="ＭＳ Ｐゴシック" charset="0"/>
-              </a:rPr>
-              <a:t>mix fresh and saltwater samples together</a:t>
-            </a:r>
-          </a:p>
-          <a:p>
-            <a:pPr lvl="1" eaLnBrk="1" hangingPunct="1"/>
-            <a:r>
-              <a:rPr lang="en-US">
-                <a:latin typeface="Arial" charset="0"/>
-                <a:ea typeface="ＭＳ Ｐゴシック" charset="0"/>
-              </a:rPr>
-              <a:t>mix live and preserved dishes or pipettes</a:t>
-            </a:r>
-          </a:p>
-          <a:p>
-            <a:pPr eaLnBrk="1" hangingPunct="1"/>
-            <a:endParaRPr lang="en-US">
-              <a:latin typeface="Arial" charset="0"/>
-              <a:ea typeface="ＭＳ Ｐゴシック" charset="0"/>
-              <a:cs typeface="ＭＳ Ｐゴシック" charset="0"/>
-            </a:endParaRPr>
-          </a:p>
-        </p:txBody>
-      </p:sp>
-    </p:spTree>
-  </p:cSld>
-  <p:clrMapOvr>
-    <a:masterClrMapping/>
-  </p:clrMapOvr>
-  <p:timing>
-    <p:tnLst>
-      <p:par>
-        <p:cTn xmlns:p14="http://schemas.microsoft.com/office/powerpoint/2010/main" id="1" dur="indefinite" restart="never" nodeType="tmRoot"/>
+        <p:cTn id="1" dur="indefinite" restart="never" nodeType="tmRoot"/>
       </p:par>
     </p:tnLst>
   </p:timing>
@@ -12356,64 +12143,142 @@
       </p:grpSpPr>
       <p:sp>
         <p:nvSpPr>
-          <p:cNvPr id="15361" name="Rectangle 2"/>
+          <p:cNvPr id="17409" name="Rectangle 2"/>
           <p:cNvSpPr>
             <a:spLocks noGrp="1" noChangeArrowheads="1"/>
           </p:cNvSpPr>
           <p:nvPr>
-            <p:ph type="ctrTitle"/>
-          </p:nvPr>
-        </p:nvSpPr>
-        <p:spPr>
-          <a:xfrm>
-            <a:off x="457200" y="2286000"/>
-            <a:ext cx="7772400" cy="1470025"/>
-          </a:xfrm>
-        </p:spPr>
+            <p:ph type="title"/>
+          </p:nvPr>
+        </p:nvSpPr>
+        <p:spPr/>
         <p:txBody>
           <a:bodyPr/>
           <a:lstStyle/>
           <a:p>
             <a:pPr eaLnBrk="1" hangingPunct="1"/>
             <a:r>
-              <a:rPr lang="en-US" sz="4000">
+              <a:rPr lang="en-US">
                 <a:latin typeface="Arial" charset="0"/>
                 <a:ea typeface="ＭＳ Ｐゴシック" charset="0"/>
                 <a:cs typeface="ＭＳ Ｐゴシック" charset="0"/>
               </a:rPr>
-              <a:t>Class Crustacea: Senses, Development and more Taxonomy</a:t>
+              <a:t>Crustacean Senses</a:t>
             </a:r>
           </a:p>
         </p:txBody>
       </p:sp>
       <p:sp>
         <p:nvSpPr>
-          <p:cNvPr id="15362" name="Rectangle 3"/>
+          <p:cNvPr id="17410" name="Rectangle 3"/>
           <p:cNvSpPr>
             <a:spLocks noGrp="1" noChangeArrowheads="1"/>
           </p:cNvSpPr>
           <p:nvPr>
-            <p:ph type="subTitle" idx="1"/>
-          </p:nvPr>
-        </p:nvSpPr>
-        <p:spPr>
-          <a:xfrm>
-            <a:off x="1371600" y="5105400"/>
-            <a:ext cx="6400800" cy="1752600"/>
-          </a:xfrm>
-        </p:spPr>
+            <p:ph type="body" idx="1"/>
+          </p:nvPr>
+        </p:nvSpPr>
+        <p:spPr/>
         <p:txBody>
           <a:bodyPr/>
           <a:lstStyle/>
           <a:p>
             <a:pPr eaLnBrk="1" hangingPunct="1"/>
             <a:r>
-              <a:rPr lang="en-US">
+              <a:rPr lang="en-US" b="1">
                 <a:latin typeface="Arial" charset="0"/>
                 <a:ea typeface="ＭＳ Ｐゴシック" charset="0"/>
                 <a:cs typeface="ＭＳ Ｐゴシック" charset="0"/>
               </a:rPr>
-              <a:t>A big day in 310</a:t>
+              <a:t>Mechanoreception</a:t>
+            </a:r>
+          </a:p>
+          <a:p>
+            <a:pPr lvl="1" eaLnBrk="1" hangingPunct="1"/>
+            <a:r>
+              <a:rPr lang="en-US">
+                <a:latin typeface="Arial" charset="0"/>
+                <a:ea typeface="ＭＳ Ｐゴシック" charset="0"/>
+              </a:rPr>
+              <a:t>Touch, </a:t>
+            </a:r>
+            <a:r>
+              <a:rPr lang="ja-JP" altLang="en-US">
+                <a:latin typeface="Arial" charset="0"/>
+                <a:ea typeface="ＭＳ Ｐゴシック" charset="0"/>
+              </a:rPr>
+              <a:t>“</a:t>
+            </a:r>
+            <a:r>
+              <a:rPr lang="en-US" altLang="ja-JP">
+                <a:latin typeface="Arial" charset="0"/>
+                <a:ea typeface="ＭＳ Ｐゴシック" charset="0"/>
+              </a:rPr>
+              <a:t>hearing,</a:t>
+            </a:r>
+            <a:r>
+              <a:rPr lang="ja-JP" altLang="en-US">
+                <a:latin typeface="Arial" charset="0"/>
+                <a:ea typeface="ＭＳ Ｐゴシック" charset="0"/>
+              </a:rPr>
+              <a:t>”</a:t>
+            </a:r>
+            <a:r>
+              <a:rPr lang="en-US" altLang="ja-JP">
+                <a:latin typeface="Arial" charset="0"/>
+                <a:ea typeface="ＭＳ Ｐゴシック" charset="0"/>
+              </a:rPr>
+              <a:t> </a:t>
+            </a:r>
+            <a:r>
+              <a:rPr lang="en-US" altLang="ja-JP" b="1">
+                <a:latin typeface="Arial" charset="0"/>
+                <a:ea typeface="ＭＳ Ｐゴシック" charset="0"/>
+              </a:rPr>
+              <a:t>proprioception</a:t>
+            </a:r>
+          </a:p>
+          <a:p>
+            <a:pPr lvl="1" eaLnBrk="1" hangingPunct="1"/>
+            <a:r>
+              <a:rPr lang="en-US" b="1">
+                <a:latin typeface="Arial" charset="0"/>
+                <a:ea typeface="ＭＳ Ｐゴシック" charset="0"/>
+              </a:rPr>
+              <a:t>Proprioception</a:t>
+            </a:r>
+            <a:r>
+              <a:rPr lang="en-US">
+                <a:latin typeface="Arial" charset="0"/>
+                <a:ea typeface="ＭＳ Ｐゴシック" charset="0"/>
+              </a:rPr>
+              <a:t>: different from other senses because it provides internal feedback – i.e. limb position, movement, cuticular stress</a:t>
+            </a:r>
+            <a:endParaRPr lang="en-US" b="1">
+              <a:latin typeface="Arial" charset="0"/>
+              <a:ea typeface="ＭＳ Ｐゴシック" charset="0"/>
+            </a:endParaRPr>
+          </a:p>
+          <a:p>
+            <a:pPr eaLnBrk="1" hangingPunct="1"/>
+            <a:r>
+              <a:rPr lang="en-US" b="1">
+                <a:latin typeface="Arial" charset="0"/>
+                <a:ea typeface="ＭＳ Ｐゴシック" charset="0"/>
+                <a:cs typeface="ＭＳ Ｐゴシック" charset="0"/>
+              </a:rPr>
+              <a:t>Chemoreception</a:t>
+            </a:r>
+          </a:p>
+          <a:p>
+            <a:pPr eaLnBrk="1" hangingPunct="1"/>
+            <a:r>
+              <a:rPr lang="en-US" b="1">
+                <a:latin typeface="Arial" charset="0"/>
+                <a:ea typeface="ＭＳ Ｐゴシック" charset="0"/>
+                <a:cs typeface="ＭＳ Ｐゴシック" charset="0"/>
+              </a:rPr>
+              <a:t>Photoreception</a:t>
             </a:r>
           </a:p>
         </p:txBody>
@@ -12426,7 +12291,7 @@
   <p:timing>
     <p:tnLst>
       <p:par>
-        <p:cTn xmlns:p14="http://schemas.microsoft.com/office/powerpoint/2010/main" id="1" dur="indefinite" restart="never" nodeType="tmRoot"/>
+        <p:cTn id="1" dur="indefinite" restart="never" nodeType="tmRoot"/>
       </p:par>
     </p:tnLst>
   </p:timing>
@@ -12452,7 +12317,7 @@
       </p:grpSpPr>
       <p:sp>
         <p:nvSpPr>
-          <p:cNvPr id="17409" name="Rectangle 2"/>
+          <p:cNvPr id="19457" name="Rectangle 2"/>
           <p:cNvSpPr>
             <a:spLocks noGrp="1" noChangeArrowheads="1"/>
           </p:cNvSpPr>
@@ -12472,14 +12337,14 @@
                 <a:ea typeface="ＭＳ Ｐゴシック" charset="0"/>
                 <a:cs typeface="ＭＳ Ｐゴシック" charset="0"/>
               </a:rPr>
-              <a:t>Crustacean Senses</a:t>
+              <a:t>Crustacean Sense Organs</a:t>
             </a:r>
           </a:p>
         </p:txBody>
       </p:sp>
       <p:sp>
         <p:nvSpPr>
-          <p:cNvPr id="17410" name="Rectangle 3"/>
+          <p:cNvPr id="19458" name="Rectangle 3"/>
           <p:cNvSpPr>
             <a:spLocks noGrp="1" noChangeArrowheads="1"/>
           </p:cNvSpPr>
@@ -12494,101 +12359,50 @@
           <a:p>
             <a:pPr eaLnBrk="1" hangingPunct="1"/>
             <a:r>
-              <a:rPr lang="en-US" b="1">
+              <a:rPr lang="en-US">
                 <a:latin typeface="Arial" charset="0"/>
                 <a:ea typeface="ＭＳ Ｐゴシック" charset="0"/>
                 <a:cs typeface="ＭＳ Ｐゴシック" charset="0"/>
               </a:rPr>
-              <a:t>Mechanoreception</a:t>
-            </a:r>
+              <a:t>Eyes (photoreception)</a:t>
+            </a:r>
+          </a:p>
+          <a:p>
+            <a:pPr eaLnBrk="1" hangingPunct="1"/>
+            <a:r>
+              <a:rPr lang="en-US">
+                <a:latin typeface="Arial" charset="0"/>
+                <a:ea typeface="ＭＳ Ｐゴシック" charset="0"/>
+                <a:cs typeface="ＭＳ Ｐゴシック" charset="0"/>
+              </a:rPr>
+              <a:t>Sensory Setae (Mechanoreception and Chemoreception)</a:t>
+            </a:r>
+          </a:p>
+          <a:p>
+            <a:pPr eaLnBrk="1" hangingPunct="1"/>
+            <a:r>
+              <a:rPr lang="en-US">
+                <a:latin typeface="Arial" charset="0"/>
+                <a:ea typeface="ＭＳ Ｐゴシック" charset="0"/>
+                <a:cs typeface="ＭＳ Ｐゴシック" charset="0"/>
+              </a:rPr>
+              <a:t>Statocysts (balance) </a:t>
+            </a:r>
+          </a:p>
+          <a:p>
+            <a:pPr eaLnBrk="1" hangingPunct="1"/>
+            <a:endParaRPr lang="en-US">
+              <a:latin typeface="Arial" charset="0"/>
+              <a:ea typeface="ＭＳ Ｐゴシック" charset="0"/>
+              <a:cs typeface="ＭＳ Ｐゴシック" charset="0"/>
+            </a:endParaRPr>
           </a:p>
           <a:p>
             <a:pPr lvl="1" eaLnBrk="1" hangingPunct="1"/>
-            <a:r>
-              <a:rPr lang="en-US">
-                <a:latin typeface="Arial" charset="0"/>
-                <a:ea typeface="ＭＳ Ｐゴシック" charset="0"/>
-              </a:rPr>
-              <a:t>Touch, </a:t>
-            </a:r>
-            <a:r>
-              <a:rPr lang="ja-JP" altLang="en-US">
-                <a:latin typeface="Arial" charset="0"/>
-                <a:ea typeface="ＭＳ Ｐゴシック" charset="0"/>
-              </a:rPr>
-              <a:t>“</a:t>
-            </a:r>
-            <a:r>
-              <a:rPr lang="en-US" altLang="ja-JP">
-                <a:latin typeface="Arial" charset="0"/>
-                <a:ea typeface="ＭＳ Ｐゴシック" charset="0"/>
-              </a:rPr>
-              <a:t>hearing,</a:t>
-            </a:r>
-            <a:r>
-              <a:rPr lang="ja-JP" altLang="en-US">
-                <a:latin typeface="Arial" charset="0"/>
-                <a:ea typeface="ＭＳ Ｐゴシック" charset="0"/>
-              </a:rPr>
-              <a:t>”</a:t>
-            </a:r>
-            <a:r>
-              <a:rPr lang="en-US" altLang="ja-JP">
-                <a:latin typeface="Arial" charset="0"/>
-                <a:ea typeface="ＭＳ Ｐゴシック" charset="0"/>
-              </a:rPr>
-              <a:t> </a:t>
-            </a:r>
-            <a:r>
-              <a:rPr lang="en-US" altLang="ja-JP" b="1">
-                <a:latin typeface="Arial" charset="0"/>
-                <a:ea typeface="ＭＳ Ｐゴシック" charset="0"/>
-              </a:rPr>
-              <a:t>proprioception</a:t>
-            </a:r>
-          </a:p>
-          <a:p>
-            <a:pPr lvl="1" eaLnBrk="1" hangingPunct="1"/>
-            <a:r>
-              <a:rPr lang="en-US" b="1">
-                <a:latin typeface="Arial" charset="0"/>
-                <a:ea typeface="ＭＳ Ｐゴシック" charset="0"/>
-              </a:rPr>
-              <a:t>Proprioception</a:t>
-            </a:r>
-            <a:r>
-              <a:rPr lang="en-US">
-                <a:latin typeface="Arial" charset="0"/>
-                <a:ea typeface="ＭＳ Ｐゴシック" charset="0"/>
-              </a:rPr>
-              <a:t>: different from other senses because it provides internal feedback – i.e. limb position, movement, cuticular stress</a:t>
-            </a:r>
-            <a:endParaRPr lang="en-US" b="1">
+            <a:endParaRPr lang="en-US">
               <a:latin typeface="Arial" charset="0"/>
               <a:ea typeface="ＭＳ Ｐゴシック" charset="0"/>
             </a:endParaRPr>
-          </a:p>
-          <a:p>
-            <a:pPr eaLnBrk="1" hangingPunct="1"/>
-            <a:r>
-              <a:rPr lang="en-US" b="1">
-                <a:latin typeface="Arial" charset="0"/>
-                <a:ea typeface="ＭＳ Ｐゴシック" charset="0"/>
-                <a:cs typeface="ＭＳ Ｐゴシック" charset="0"/>
-              </a:rPr>
-              <a:t>Chemoreception</a:t>
-            </a:r>
-          </a:p>
-          <a:p>
-            <a:pPr eaLnBrk="1" hangingPunct="1"/>
-            <a:r>
-              <a:rPr lang="en-US" b="1">
-                <a:latin typeface="Arial" charset="0"/>
-                <a:ea typeface="ＭＳ Ｐゴシック" charset="0"/>
-                <a:cs typeface="ＭＳ Ｐゴシック" charset="0"/>
-              </a:rPr>
-              <a:t>Photoreception</a:t>
-            </a:r>
           </a:p>
         </p:txBody>
       </p:sp>
@@ -12600,7 +12414,7 @@
   <p:timing>
     <p:tnLst>
       <p:par>
-        <p:cTn xmlns:p14="http://schemas.microsoft.com/office/powerpoint/2010/main" id="1" dur="indefinite" restart="never" nodeType="tmRoot"/>
+        <p:cTn id="1" dur="indefinite" restart="never" nodeType="tmRoot"/>
       </p:par>
     </p:tnLst>
   </p:timing>
@@ -12626,129 +12440,6 @@
       </p:grpSpPr>
       <p:sp>
         <p:nvSpPr>
-          <p:cNvPr id="19457" name="Rectangle 2"/>
-          <p:cNvSpPr>
-            <a:spLocks noGrp="1" noChangeArrowheads="1"/>
-          </p:cNvSpPr>
-          <p:nvPr>
-            <p:ph type="title"/>
-          </p:nvPr>
-        </p:nvSpPr>
-        <p:spPr/>
-        <p:txBody>
-          <a:bodyPr/>
-          <a:lstStyle/>
-          <a:p>
-            <a:pPr eaLnBrk="1" hangingPunct="1"/>
-            <a:r>
-              <a:rPr lang="en-US">
-                <a:latin typeface="Arial" charset="0"/>
-                <a:ea typeface="ＭＳ Ｐゴシック" charset="0"/>
-                <a:cs typeface="ＭＳ Ｐゴシック" charset="0"/>
-              </a:rPr>
-              <a:t>Crustacean Sense Organs</a:t>
-            </a:r>
-          </a:p>
-        </p:txBody>
-      </p:sp>
-      <p:sp>
-        <p:nvSpPr>
-          <p:cNvPr id="19458" name="Rectangle 3"/>
-          <p:cNvSpPr>
-            <a:spLocks noGrp="1" noChangeArrowheads="1"/>
-          </p:cNvSpPr>
-          <p:nvPr>
-            <p:ph type="body" idx="1"/>
-          </p:nvPr>
-        </p:nvSpPr>
-        <p:spPr/>
-        <p:txBody>
-          <a:bodyPr/>
-          <a:lstStyle/>
-          <a:p>
-            <a:pPr eaLnBrk="1" hangingPunct="1"/>
-            <a:r>
-              <a:rPr lang="en-US">
-                <a:latin typeface="Arial" charset="0"/>
-                <a:ea typeface="ＭＳ Ｐゴシック" charset="0"/>
-                <a:cs typeface="ＭＳ Ｐゴシック" charset="0"/>
-              </a:rPr>
-              <a:t>Eyes (photoreception)</a:t>
-            </a:r>
-          </a:p>
-          <a:p>
-            <a:pPr eaLnBrk="1" hangingPunct="1"/>
-            <a:r>
-              <a:rPr lang="en-US">
-                <a:latin typeface="Arial" charset="0"/>
-                <a:ea typeface="ＭＳ Ｐゴシック" charset="0"/>
-                <a:cs typeface="ＭＳ Ｐゴシック" charset="0"/>
-              </a:rPr>
-              <a:t>Sensory Setae (Mechanoreception and Chemoreception)</a:t>
-            </a:r>
-          </a:p>
-          <a:p>
-            <a:pPr eaLnBrk="1" hangingPunct="1"/>
-            <a:r>
-              <a:rPr lang="en-US">
-                <a:latin typeface="Arial" charset="0"/>
-                <a:ea typeface="ＭＳ Ｐゴシック" charset="0"/>
-                <a:cs typeface="ＭＳ Ｐゴシック" charset="0"/>
-              </a:rPr>
-              <a:t>Statocysts (balance) </a:t>
-            </a:r>
-          </a:p>
-          <a:p>
-            <a:pPr eaLnBrk="1" hangingPunct="1"/>
-            <a:endParaRPr lang="en-US">
-              <a:latin typeface="Arial" charset="0"/>
-              <a:ea typeface="ＭＳ Ｐゴシック" charset="0"/>
-              <a:cs typeface="ＭＳ Ｐゴシック" charset="0"/>
-            </a:endParaRPr>
-          </a:p>
-          <a:p>
-            <a:pPr lvl="1" eaLnBrk="1" hangingPunct="1"/>
-            <a:endParaRPr lang="en-US">
-              <a:latin typeface="Arial" charset="0"/>
-              <a:ea typeface="ＭＳ Ｐゴシック" charset="0"/>
-            </a:endParaRPr>
-          </a:p>
-        </p:txBody>
-      </p:sp>
-    </p:spTree>
-  </p:cSld>
-  <p:clrMapOvr>
-    <a:masterClrMapping/>
-  </p:clrMapOvr>
-  <p:timing>
-    <p:tnLst>
-      <p:par>
-        <p:cTn xmlns:p14="http://schemas.microsoft.com/office/powerpoint/2010/main" id="1" dur="indefinite" restart="never" nodeType="tmRoot"/>
-      </p:par>
-    </p:tnLst>
-  </p:timing>
-</p:sld>
-</file>
-
-<file path=ppt/slides/slide5.xml><?xml version="1.0" encoding="utf-8"?>
-<p:sld xmlns:a="http://schemas.openxmlformats.org/drawingml/2006/main" xmlns:r="http://schemas.openxmlformats.org/officeDocument/2006/relationships" xmlns:p="http://schemas.openxmlformats.org/presentationml/2006/main">
-  <p:cSld>
-    <p:spTree>
-      <p:nvGrpSpPr>
-        <p:cNvPr id="1" name=""/>
-        <p:cNvGrpSpPr/>
-        <p:nvPr/>
-      </p:nvGrpSpPr>
-      <p:grpSpPr>
-        <a:xfrm>
-          <a:off x="0" y="0"/>
-          <a:ext cx="0" cy="0"/>
-          <a:chOff x="0" y="0"/>
-          <a:chExt cx="0" cy="0"/>
-        </a:xfrm>
-      </p:grpSpPr>
-      <p:sp>
-        <p:nvSpPr>
           <p:cNvPr id="21505" name="Rectangle 2"/>
           <p:cNvSpPr>
             <a:spLocks noGrp="1" noChangeArrowheads="1"/>
@@ -12889,14 +12580,14 @@
   <p:timing>
     <p:tnLst>
       <p:par>
-        <p:cTn xmlns:p14="http://schemas.microsoft.com/office/powerpoint/2010/main" id="1" dur="indefinite" restart="never" nodeType="tmRoot"/>
+        <p:cTn id="1" dur="indefinite" restart="never" nodeType="tmRoot"/>
       </p:par>
     </p:tnLst>
   </p:timing>
 </p:sld>
 </file>
 
-<file path=ppt/slides/slide6.xml><?xml version="1.0" encoding="utf-8"?>
+<file path=ppt/slides/slide5.xml><?xml version="1.0" encoding="utf-8"?>
 <p:sld xmlns:a="http://schemas.openxmlformats.org/drawingml/2006/main" xmlns:r="http://schemas.openxmlformats.org/officeDocument/2006/relationships" xmlns:p="http://schemas.openxmlformats.org/presentationml/2006/main">
   <p:cSld>
     <p:spTree>
@@ -13103,14 +12794,14 @@
           </a:ln>
           <a:extLst>
             <a:ext uri="{909E8E84-426E-40dd-AFC4-6F175D3DCCD1}">
-              <a14:hiddenFill xmlns:a14="http://schemas.microsoft.com/office/drawing/2010/main">
+              <a14:hiddenFill xmlns:a14="http://schemas.microsoft.com/office/drawing/2010/main" xmlns="">
                 <a:solidFill>
                   <a:srgbClr val="FFFFFF"/>
                 </a:solidFill>
               </a14:hiddenFill>
             </a:ext>
             <a:ext uri="{91240B29-F687-4f45-9708-019B960494DF}">
-              <a14:hiddenLine xmlns:a14="http://schemas.microsoft.com/office/drawing/2010/main" w="9525">
+              <a14:hiddenLine xmlns:a14="http://schemas.microsoft.com/office/drawing/2010/main" xmlns="" w="9525">
                 <a:solidFill>
                   <a:srgbClr val="000000"/>
                 </a:solidFill>
@@ -13130,14 +12821,14 @@
   <p:timing>
     <p:tnLst>
       <p:par>
-        <p:cTn xmlns:p14="http://schemas.microsoft.com/office/powerpoint/2010/main" id="1" dur="indefinite" restart="never" nodeType="tmRoot"/>
+        <p:cTn id="1" dur="indefinite" restart="never" nodeType="tmRoot"/>
       </p:par>
     </p:tnLst>
   </p:timing>
 </p:sld>
 </file>
 
-<file path=ppt/slides/slide7.xml><?xml version="1.0" encoding="utf-8"?>
+<file path=ppt/slides/slide6.xml><?xml version="1.0" encoding="utf-8"?>
 <p:sld xmlns:a="http://schemas.openxmlformats.org/drawingml/2006/main" xmlns:r="http://schemas.openxmlformats.org/officeDocument/2006/relationships" xmlns:p="http://schemas.openxmlformats.org/presentationml/2006/main">
   <p:cSld>
     <p:spTree>
@@ -13270,14 +12961,14 @@
           </a:ln>
           <a:extLst>
             <a:ext uri="{909E8E84-426E-40dd-AFC4-6F175D3DCCD1}">
-              <a14:hiddenFill xmlns:a14="http://schemas.microsoft.com/office/drawing/2010/main">
+              <a14:hiddenFill xmlns:a14="http://schemas.microsoft.com/office/drawing/2010/main" xmlns="">
                 <a:solidFill>
                   <a:srgbClr val="FFFFFF"/>
                 </a:solidFill>
               </a14:hiddenFill>
             </a:ext>
             <a:ext uri="{91240B29-F687-4f45-9708-019B960494DF}">
-              <a14:hiddenLine xmlns:a14="http://schemas.microsoft.com/office/drawing/2010/main" w="9525">
+              <a14:hiddenLine xmlns:a14="http://schemas.microsoft.com/office/drawing/2010/main" xmlns="" w="9525">
                 <a:solidFill>
                   <a:srgbClr val="000000"/>
                 </a:solidFill>
@@ -13297,7 +12988,143 @@
   <p:timing>
     <p:tnLst>
       <p:par>
-        <p:cTn xmlns:p14="http://schemas.microsoft.com/office/powerpoint/2010/main" id="1" dur="indefinite" restart="never" nodeType="tmRoot"/>
+        <p:cTn id="1" dur="indefinite" restart="never" nodeType="tmRoot"/>
+      </p:par>
+    </p:tnLst>
+  </p:timing>
+</p:sld>
+</file>
+
+<file path=ppt/slides/slide7.xml><?xml version="1.0" encoding="utf-8"?>
+<p:sld xmlns:a="http://schemas.openxmlformats.org/drawingml/2006/main" xmlns:r="http://schemas.openxmlformats.org/officeDocument/2006/relationships" xmlns:p="http://schemas.openxmlformats.org/presentationml/2006/main">
+  <p:cSld>
+    <p:spTree>
+      <p:nvGrpSpPr>
+        <p:cNvPr id="1" name=""/>
+        <p:cNvGrpSpPr/>
+        <p:nvPr/>
+      </p:nvGrpSpPr>
+      <p:grpSpPr>
+        <a:xfrm>
+          <a:off x="0" y="0"/>
+          <a:ext cx="0" cy="0"/>
+          <a:chOff x="0" y="0"/>
+          <a:chExt cx="0" cy="0"/>
+        </a:xfrm>
+      </p:grpSpPr>
+      <p:sp>
+        <p:nvSpPr>
+          <p:cNvPr id="27649" name="Rectangle 2"/>
+          <p:cNvSpPr>
+            <a:spLocks noGrp="1" noChangeArrowheads="1"/>
+          </p:cNvSpPr>
+          <p:nvPr>
+            <p:ph type="title"/>
+          </p:nvPr>
+        </p:nvSpPr>
+        <p:spPr/>
+        <p:txBody>
+          <a:bodyPr/>
+          <a:lstStyle/>
+          <a:p>
+            <a:pPr eaLnBrk="1" hangingPunct="1"/>
+            <a:r>
+              <a:rPr lang="en-US">
+                <a:latin typeface="Arial" charset="0"/>
+                <a:ea typeface="ＭＳ Ｐゴシック" charset="0"/>
+                <a:cs typeface="ＭＳ Ｐゴシック" charset="0"/>
+              </a:rPr>
+              <a:t>Setae</a:t>
+            </a:r>
+          </a:p>
+        </p:txBody>
+      </p:sp>
+      <p:sp>
+        <p:nvSpPr>
+          <p:cNvPr id="27650" name="Rectangle 3"/>
+          <p:cNvSpPr>
+            <a:spLocks noGrp="1" noChangeArrowheads="1"/>
+          </p:cNvSpPr>
+          <p:nvPr>
+            <p:ph type="body" idx="1"/>
+          </p:nvPr>
+        </p:nvSpPr>
+        <p:spPr/>
+        <p:txBody>
+          <a:bodyPr/>
+          <a:lstStyle/>
+          <a:p>
+            <a:pPr eaLnBrk="1" hangingPunct="1"/>
+            <a:r>
+              <a:rPr lang="en-US">
+                <a:latin typeface="Arial" charset="0"/>
+                <a:ea typeface="ＭＳ Ｐゴシック" charset="0"/>
+                <a:cs typeface="ＭＳ Ｐゴシック" charset="0"/>
+              </a:rPr>
+              <a:t>Hair like structures used for mechano and chemo reception (and other)</a:t>
+            </a:r>
+          </a:p>
+          <a:p>
+            <a:pPr eaLnBrk="1" hangingPunct="1"/>
+            <a:r>
+              <a:rPr lang="en-US">
+                <a:latin typeface="Arial" charset="0"/>
+                <a:ea typeface="ＭＳ Ｐゴシック" charset="0"/>
+                <a:cs typeface="ＭＳ Ｐゴシック" charset="0"/>
+              </a:rPr>
+              <a:t>Extend through exoskeleton—linked to the nervous system</a:t>
+            </a:r>
+          </a:p>
+          <a:p>
+            <a:pPr eaLnBrk="1" hangingPunct="1"/>
+            <a:r>
+              <a:rPr lang="en-US" b="1">
+                <a:latin typeface="Arial" charset="0"/>
+                <a:ea typeface="ＭＳ Ｐゴシック" charset="0"/>
+                <a:cs typeface="ＭＳ Ｐゴシック" charset="0"/>
+              </a:rPr>
+              <a:t>Aesthetascs:</a:t>
+            </a:r>
+            <a:r>
+              <a:rPr lang="en-US">
+                <a:latin typeface="Arial" charset="0"/>
+                <a:ea typeface="ＭＳ Ｐゴシック" charset="0"/>
+                <a:cs typeface="ＭＳ Ｐゴシック" charset="0"/>
+              </a:rPr>
+              <a:t> </a:t>
+            </a:r>
+          </a:p>
+          <a:p>
+            <a:pPr lvl="1" eaLnBrk="1" hangingPunct="1"/>
+            <a:r>
+              <a:rPr lang="en-US">
+                <a:latin typeface="Arial" charset="0"/>
+                <a:ea typeface="ＭＳ Ｐゴシック" charset="0"/>
+              </a:rPr>
+              <a:t>Patches of sensory setae usually found on first antennae</a:t>
+            </a:r>
+          </a:p>
+          <a:p>
+            <a:pPr lvl="1" eaLnBrk="1" hangingPunct="1"/>
+            <a:r>
+              <a:rPr lang="en-US">
+                <a:latin typeface="Arial" charset="0"/>
+                <a:ea typeface="ＭＳ Ｐゴシック" charset="0"/>
+              </a:rPr>
+              <a:t>Important for locating food and mates</a:t>
+            </a:r>
+          </a:p>
+        </p:txBody>
+      </p:sp>
+    </p:spTree>
+  </p:cSld>
+  <p:clrMapOvr>
+    <a:masterClrMapping/>
+  </p:clrMapOvr>
+  <p:timing>
+    <p:tnLst>
+      <p:par>
+        <p:cTn id="1" dur="indefinite" restart="never" nodeType="tmRoot"/>
       </p:par>
     </p:tnLst>
   </p:timing>
@@ -13323,12 +13150,12 @@
       </p:grpSpPr>
       <p:sp>
         <p:nvSpPr>
-          <p:cNvPr id="27649" name="Rectangle 2"/>
+          <p:cNvPr id="29697" name="Rectangle 2"/>
           <p:cNvSpPr>
             <a:spLocks noGrp="1" noChangeArrowheads="1"/>
           </p:cNvSpPr>
           <p:nvPr>
-            <p:ph type="title"/>
+            <p:ph type="body" idx="1"/>
           </p:nvPr>
         </p:nvSpPr>
         <p:spPr/>
@@ -13338,24 +13165,88 @@
           <a:p>
             <a:pPr eaLnBrk="1" hangingPunct="1"/>
             <a:r>
-              <a:rPr lang="en-US">
+              <a:rPr lang="en-US" dirty="0">
                 <a:latin typeface="Arial" charset="0"/>
                 <a:ea typeface="ＭＳ Ｐゴシック" charset="0"/>
                 <a:cs typeface="ＭＳ Ｐゴシック" charset="0"/>
               </a:rPr>
-              <a:t>Setae</a:t>
-            </a:r>
+              <a:t>We</a:t>
+            </a:r>
+            <a:r>
+              <a:rPr lang="ja-JP" altLang="en-US" dirty="0">
+                <a:latin typeface="Arial" charset="0"/>
+                <a:ea typeface="ＭＳ Ｐゴシック" charset="0"/>
+                <a:cs typeface="ＭＳ Ｐゴシック" charset="0"/>
+              </a:rPr>
+              <a:t>’</a:t>
+            </a:r>
+            <a:r>
+              <a:rPr lang="en-US" altLang="ja-JP" dirty="0" err="1">
+                <a:latin typeface="Arial" charset="0"/>
+                <a:ea typeface="ＭＳ Ｐゴシック" charset="0"/>
+                <a:cs typeface="ＭＳ Ｐゴシック" charset="0"/>
+              </a:rPr>
+              <a:t>ll</a:t>
+            </a:r>
+            <a:r>
+              <a:rPr lang="en-US" altLang="ja-JP" dirty="0">
+                <a:latin typeface="Arial" charset="0"/>
+                <a:ea typeface="ＭＳ Ｐゴシック" charset="0"/>
+                <a:cs typeface="ＭＳ Ｐゴシック" charset="0"/>
+              </a:rPr>
+              <a:t> examine chemoreception by counting antennal flicks before and after adding a food smell to the water</a:t>
+            </a:r>
+          </a:p>
+          <a:p>
+            <a:pPr eaLnBrk="1" hangingPunct="1"/>
+            <a:r>
+              <a:rPr lang="en-US" dirty="0" smtClean="0">
+                <a:latin typeface="Arial" charset="0"/>
+                <a:ea typeface="ＭＳ Ｐゴシック" charset="0"/>
+                <a:cs typeface="ＭＳ Ｐゴシック" charset="0"/>
+              </a:rPr>
+              <a:t>We</a:t>
+            </a:r>
+            <a:r>
+              <a:rPr lang="ja-JP" altLang="en-US" dirty="0">
+                <a:latin typeface="Arial" charset="0"/>
+                <a:ea typeface="ＭＳ Ｐゴシック" charset="0"/>
+                <a:cs typeface="ＭＳ Ｐゴシック" charset="0"/>
+              </a:rPr>
+              <a:t>’</a:t>
+            </a:r>
+            <a:r>
+              <a:rPr lang="en-US" altLang="ja-JP" dirty="0" err="1">
+                <a:latin typeface="Arial" charset="0"/>
+                <a:ea typeface="ＭＳ Ｐゴシック" charset="0"/>
+                <a:cs typeface="ＭＳ Ｐゴシック" charset="0"/>
+              </a:rPr>
+              <a:t>ll</a:t>
+            </a:r>
+            <a:r>
+              <a:rPr lang="en-US" altLang="ja-JP" dirty="0">
+                <a:latin typeface="Arial" charset="0"/>
+                <a:ea typeface="ＭＳ Ｐゴシック" charset="0"/>
+                <a:cs typeface="ＭＳ Ｐゴシック" charset="0"/>
+              </a:rPr>
+              <a:t> look at crustacean eyes </a:t>
+            </a:r>
+            <a:endParaRPr lang="en-US" dirty="0">
+              <a:latin typeface="Arial" charset="0"/>
+              <a:ea typeface="ＭＳ Ｐゴシック" charset="0"/>
+              <a:cs typeface="ＭＳ Ｐゴシック" charset="0"/>
+            </a:endParaRPr>
           </a:p>
         </p:txBody>
       </p:sp>
       <p:sp>
         <p:nvSpPr>
-          <p:cNvPr id="27650" name="Rectangle 3"/>
+          <p:cNvPr id="29698" name="Rectangle 3"/>
           <p:cNvSpPr>
             <a:spLocks noGrp="1" noChangeArrowheads="1"/>
           </p:cNvSpPr>
           <p:nvPr>
-            <p:ph type="body" idx="1"/>
+            <p:ph type="title"/>
           </p:nvPr>
         </p:nvSpPr>
         <p:spPr/>
@@ -13370,57 +13261,7 @@
                 <a:ea typeface="ＭＳ Ｐゴシック" charset="0"/>
                 <a:cs typeface="ＭＳ Ｐゴシック" charset="0"/>
               </a:rPr>
-              <a:t>Hair like structures used for mechano and chemo reception (and other)</a:t>
-            </a:r>
-          </a:p>
-          <a:p>
-            <a:pPr eaLnBrk="1" hangingPunct="1"/>
-            <a:r>
-              <a:rPr lang="en-US">
-                <a:latin typeface="Arial" charset="0"/>
-                <a:ea typeface="ＭＳ Ｐゴシック" charset="0"/>
-                <a:cs typeface="ＭＳ Ｐゴシック" charset="0"/>
-              </a:rPr>
-              <a:t>Extend through exoskeleton—linked to the nervous system</a:t>
-            </a:r>
-          </a:p>
-          <a:p>
-            <a:pPr eaLnBrk="1" hangingPunct="1"/>
-            <a:r>
-              <a:rPr lang="en-US" b="1">
-                <a:latin typeface="Arial" charset="0"/>
-                <a:ea typeface="ＭＳ Ｐゴシック" charset="0"/>
-                <a:cs typeface="ＭＳ Ｐゴシック" charset="0"/>
-              </a:rPr>
-              <a:t>Aesthetascs:</a:t>
-            </a:r>
-            <a:r>
-              <a:rPr lang="en-US">
-                <a:latin typeface="Arial" charset="0"/>
-                <a:ea typeface="ＭＳ Ｐゴシック" charset="0"/>
-                <a:cs typeface="ＭＳ Ｐゴシック" charset="0"/>
-              </a:rPr>
-              <a:t> </a:t>
-            </a:r>
-          </a:p>
-          <a:p>
-            <a:pPr lvl="1" eaLnBrk="1" hangingPunct="1"/>
-            <a:r>
-              <a:rPr lang="en-US">
-                <a:latin typeface="Arial" charset="0"/>
-                <a:ea typeface="ＭＳ Ｐゴシック" charset="0"/>
-              </a:rPr>
-              <a:t>Patches of sensory setae usually found on first antennae</a:t>
-            </a:r>
-          </a:p>
-          <a:p>
-            <a:pPr lvl="1" eaLnBrk="1" hangingPunct="1"/>
-            <a:r>
-              <a:rPr lang="en-US">
-                <a:latin typeface="Arial" charset="0"/>
-                <a:ea typeface="ＭＳ Ｐゴシック" charset="0"/>
-              </a:rPr>
-              <a:t>Important for locating food and mates</a:t>
+              <a:t>Senses: in lab</a:t>
             </a:r>
           </a:p>
         </p:txBody>
@@ -13433,7 +13274,7 @@
   <p:timing>
     <p:tnLst>
       <p:par>
-        <p:cTn xmlns:p14="http://schemas.microsoft.com/office/powerpoint/2010/main" id="1" dur="indefinite" restart="never" nodeType="tmRoot"/>
+        <p:cTn id="1" dur="indefinite" restart="never" nodeType="tmRoot"/>
       </p:par>
     </p:tnLst>
   </p:timing>
@@ -13459,7 +13300,7 @@
       </p:grpSpPr>
       <p:sp>
         <p:nvSpPr>
-          <p:cNvPr id="29697" name="Rectangle 2"/>
+          <p:cNvPr id="31745" name="Rectangle 3"/>
           <p:cNvSpPr>
             <a:spLocks noGrp="1" noChangeArrowheads="1"/>
           </p:cNvSpPr>
@@ -13467,125 +13308,172 @@
             <p:ph type="body" idx="1"/>
           </p:nvPr>
         </p:nvSpPr>
-        <p:spPr/>
+        <p:spPr>
+          <a:xfrm>
+            <a:off x="457200" y="1295400"/>
+            <a:ext cx="8229600" cy="4525963"/>
+          </a:xfrm>
+        </p:spPr>
         <p:txBody>
           <a:bodyPr/>
           <a:lstStyle/>
           <a:p>
-            <a:pPr eaLnBrk="1" hangingPunct="1"/>
+            <a:pPr eaLnBrk="1" hangingPunct="1">
+              <a:lnSpc>
+                <a:spcPct val="90000"/>
+              </a:lnSpc>
+            </a:pPr>
             <a:r>
               <a:rPr lang="en-US">
                 <a:latin typeface="Arial" charset="0"/>
                 <a:ea typeface="ＭＳ Ｐゴシック" charset="0"/>
                 <a:cs typeface="ＭＳ Ｐゴシック" charset="0"/>
               </a:rPr>
-              <a:t>We</a:t>
-            </a:r>
-            <a:r>
-              <a:rPr lang="ja-JP" altLang="en-US">
+              <a:t>Very complicated</a:t>
+            </a:r>
+          </a:p>
+          <a:p>
+            <a:pPr eaLnBrk="1" hangingPunct="1">
+              <a:lnSpc>
+                <a:spcPct val="90000"/>
+              </a:lnSpc>
+            </a:pPr>
+            <a:r>
+              <a:rPr lang="en-US">
                 <a:latin typeface="Arial" charset="0"/>
                 <a:ea typeface="ＭＳ Ｐゴシック" charset="0"/>
                 <a:cs typeface="ＭＳ Ｐゴシック" charset="0"/>
               </a:rPr>
-              <a:t>’</a:t>
-            </a:r>
-            <a:r>
-              <a:rPr lang="en-US" altLang="ja-JP">
+              <a:t>Number and type of larval stages varies considerably </a:t>
+            </a:r>
+          </a:p>
+          <a:p>
+            <a:pPr eaLnBrk="1" hangingPunct="1">
+              <a:lnSpc>
+                <a:spcPct val="90000"/>
+              </a:lnSpc>
+            </a:pPr>
+            <a:r>
+              <a:rPr lang="en-US">
                 <a:latin typeface="Arial" charset="0"/>
                 <a:ea typeface="ＭＳ Ｐゴシック" charset="0"/>
                 <a:cs typeface="ＭＳ Ｐゴシック" charset="0"/>
               </a:rPr>
-              <a:t>ll examine chemoreception by counting antennal flicks before and after adding a food smell to the water</a:t>
-            </a:r>
-          </a:p>
-          <a:p>
-            <a:pPr eaLnBrk="1" hangingPunct="1"/>
-            <a:r>
-              <a:rPr lang="en-US">
-                <a:latin typeface="Arial" charset="0"/>
-                <a:ea typeface="ＭＳ Ｐゴシック" charset="0"/>
-                <a:cs typeface="ＭＳ Ｐゴシック" charset="0"/>
+              <a:t>Crustacean larvae may look nothing like their parents</a:t>
+            </a:r>
+          </a:p>
+        </p:txBody>
+      </p:sp>
+      <p:sp>
+        <p:nvSpPr>
+          <p:cNvPr id="31746" name="Rectangle 4"/>
+          <p:cNvSpPr>
+            <a:spLocks noChangeArrowheads="1"/>
+          </p:cNvSpPr>
+          <p:nvPr/>
+        </p:nvSpPr>
+        <p:spPr bwMode="auto">
+          <a:xfrm>
+            <a:off x="457200" y="76200"/>
+            <a:ext cx="8229600" cy="1143000"/>
+          </a:xfrm>
+          <a:prstGeom prst="rect">
+            <a:avLst/>
+          </a:prstGeom>
+          <a:noFill/>
+          <a:ln>
+            <a:noFill/>
+          </a:ln>
+          <a:extLst>
+            <a:ext uri="{909E8E84-426E-40dd-AFC4-6F175D3DCCD1}">
+              <a14:hiddenFill xmlns:a14="http://schemas.microsoft.com/office/drawing/2010/main" xmlns="">
+                <a:solidFill>
+                  <a:srgbClr val="FFFFFF"/>
+                </a:solidFill>
+              </a14:hiddenFill>
+            </a:ext>
+            <a:ext uri="{91240B29-F687-4f45-9708-019B960494DF}">
+              <a14:hiddenLine xmlns:a14="http://schemas.microsoft.com/office/drawing/2010/main" xmlns="" w="9525">
+                <a:solidFill>
+                  <a:srgbClr val="000000"/>
+                </a:solidFill>
+                <a:miter lim="800000"/>
+                <a:headEnd/>
+                <a:tailEnd/>
+              </a14:hiddenLine>
+            </a:ext>
+          </a:extLst>
+        </p:spPr>
+        <p:txBody>
+          <a:bodyPr anchor="ctr"/>
+          <a:lstStyle/>
+          <a:p>
+            <a:pPr algn="ctr"/>
+            <a:r>
+              <a:rPr lang="en-US" sz="4400">
+                <a:solidFill>
+                  <a:schemeClr val="tx2"/>
+                </a:solidFill>
               </a:rPr>
-              <a:t>We</a:t>
-            </a:r>
-            <a:r>
-              <a:rPr lang="ja-JP" altLang="en-US">
-                <a:latin typeface="Arial" charset="0"/>
-                <a:ea typeface="ＭＳ Ｐゴシック" charset="0"/>
-                <a:cs typeface="ＭＳ Ｐゴシック" charset="0"/>
-              </a:rPr>
-              <a:t>’</a:t>
-            </a:r>
-            <a:r>
-              <a:rPr lang="en-US" altLang="ja-JP">
-                <a:latin typeface="Arial" charset="0"/>
-                <a:ea typeface="ＭＳ Ｐゴシック" charset="0"/>
-                <a:cs typeface="ＭＳ Ｐゴシック" charset="0"/>
-              </a:rPr>
-              <a:t>ll look at setae: both sensory and other</a:t>
-            </a:r>
-          </a:p>
-          <a:p>
-            <a:pPr eaLnBrk="1" hangingPunct="1"/>
-            <a:r>
-              <a:rPr lang="en-US">
-                <a:latin typeface="Arial" charset="0"/>
-                <a:ea typeface="ＭＳ Ｐゴシック" charset="0"/>
-                <a:cs typeface="ＭＳ Ｐゴシック" charset="0"/>
-              </a:rPr>
-              <a:t>We</a:t>
-            </a:r>
-            <a:r>
-              <a:rPr lang="ja-JP" altLang="en-US">
-                <a:latin typeface="Arial" charset="0"/>
-                <a:ea typeface="ＭＳ Ｐゴシック" charset="0"/>
-                <a:cs typeface="ＭＳ Ｐゴシック" charset="0"/>
-              </a:rPr>
-              <a:t>’</a:t>
-            </a:r>
-            <a:r>
-              <a:rPr lang="en-US" altLang="ja-JP">
-                <a:latin typeface="Arial" charset="0"/>
-                <a:ea typeface="ＭＳ Ｐゴシック" charset="0"/>
-                <a:cs typeface="ＭＳ Ｐゴシック" charset="0"/>
-              </a:rPr>
-              <a:t>ll look at crustacean eyes </a:t>
-            </a:r>
-            <a:endParaRPr lang="en-US">
-              <a:latin typeface="Arial" charset="0"/>
-              <a:ea typeface="ＭＳ Ｐゴシック" charset="0"/>
-              <a:cs typeface="ＭＳ Ｐゴシック" charset="0"/>
-            </a:endParaRPr>
+              <a:t>Crustacean Development</a:t>
+            </a:r>
           </a:p>
         </p:txBody>
       </p:sp>
-      <p:sp>
-        <p:nvSpPr>
-          <p:cNvPr id="29698" name="Rectangle 3"/>
-          <p:cNvSpPr>
-            <a:spLocks noGrp="1" noChangeArrowheads="1"/>
-          </p:cNvSpPr>
-          <p:nvPr>
-            <p:ph type="title"/>
-          </p:nvPr>
-        </p:nvSpPr>
-        <p:spPr/>
-        <p:txBody>
-          <a:bodyPr/>
-          <a:lstStyle/>
-          <a:p>
-            <a:pPr eaLnBrk="1" hangingPunct="1"/>
-            <a:r>
-              <a:rPr lang="en-US">
-                <a:latin typeface="Arial" charset="0"/>
-                <a:ea typeface="ＭＳ Ｐゴシック" charset="0"/>
-                <a:cs typeface="ＭＳ Ｐゴシック" charset="0"/>
-              </a:rPr>
-              <a:t>Senses: in lab</a:t>
-            </a:r>
-          </a:p>
-        </p:txBody>
-      </p:sp>
+      <p:pic>
+        <p:nvPicPr>
+          <p:cNvPr id="31747" name="Picture 3" descr="Wonders of the Sea_ Crustaceans.jpg"/>
+          <p:cNvPicPr>
+            <a:picLocks noChangeAspect="1"/>
+          </p:cNvPicPr>
+          <p:nvPr/>
+        </p:nvPicPr>
+        <p:blipFill>
+          <a:blip r:embed="rId3">
+            <a:extLst>
+              <a:ext uri="{28A0092B-C50C-407E-A947-70E740481C1C}">
+                <a14:useLocalDpi xmlns:a14="http://schemas.microsoft.com/office/drawing/2010/main" val="0"/>
+              </a:ext>
+            </a:extLst>
+          </a:blip>
+          <a:srcRect/>
+          <a:stretch>
+            <a:fillRect/>
+          </a:stretch>
+        </p:blipFill>
+        <p:spPr bwMode="auto">
+          <a:xfrm>
+            <a:off x="1828800" y="3810000"/>
+            <a:ext cx="4953000" cy="2740025"/>
+          </a:xfrm>
+          <a:prstGeom prst="rect">
+            <a:avLst/>
+          </a:prstGeom>
+          <a:noFill/>
+          <a:ln>
+            <a:noFill/>
+          </a:ln>
+          <a:extLst>
+            <a:ext uri="{909E8E84-426E-40dd-AFC4-6F175D3DCCD1}">
+              <a14:hiddenFill xmlns:a14="http://schemas.microsoft.com/office/drawing/2010/main" xmlns="">
+                <a:solidFill>
+                  <a:srgbClr val="FFFFFF"/>
+                </a:solidFill>
+              </a14:hiddenFill>
+            </a:ext>
+            <a:ext uri="{91240B29-F687-4f45-9708-019B960494DF}">
+              <a14:hiddenLine xmlns:a14="http://schemas.microsoft.com/office/drawing/2010/main" xmlns="" w="9525">
+                <a:solidFill>
+                  <a:srgbClr val="000000"/>
+                </a:solidFill>
+                <a:miter lim="800000"/>
+                <a:headEnd/>
+                <a:tailEnd/>
+              </a14:hiddenLine>
+            </a:ext>
+          </a:extLst>
+        </p:spPr>
+      </p:pic>
     </p:spTree>
   </p:cSld>
   <p:clrMapOvr>
@@ -13594,7 +13482,7 @@
   <p:timing>
     <p:tnLst>
       <p:par>
-        <p:cTn xmlns:p14="http://schemas.microsoft.com/office/powerpoint/2010/main" id="1" dur="indefinite" restart="never" nodeType="tmRoot"/>
+        <p:cTn id="1" dur="indefinite" restart="never" nodeType="tmRoot"/>
       </p:par>
     </p:tnLst>
   </p:timing>
